--- a/docs/assets/DiagramsMaster.pptx
+++ b/docs/assets/DiagramsMaster.pptx
@@ -7,7 +7,7 @@
     <p:sldMasterId id="2147483683" r:id="rId3"/>
   </p:sldMasterIdLst>
   <p:notesMasterIdLst>
-    <p:notesMasterId r:id="rId17"/>
+    <p:notesMasterId r:id="rId18"/>
   </p:notesMasterIdLst>
   <p:sldIdLst>
     <p:sldId id="382" r:id="rId4"/>
@@ -23,6 +23,7 @@
     <p:sldId id="376" r:id="rId14"/>
     <p:sldId id="373" r:id="rId15"/>
     <p:sldId id="257" r:id="rId16"/>
+    <p:sldId id="388" r:id="rId17"/>
   </p:sldIdLst>
   <p:sldSz cx="9144000" cy="6858000" type="screen4x3"/>
   <p:notesSz cx="6858000" cy="9144000"/>
@@ -222,7 +223,7 @@
           <a:p>
             <a:fld id="{E9A081FF-F69F-419C-A695-2D2842B6166D}" type="datetimeFigureOut">
               <a:rPr lang="en-GB" smtClean="0"/>
-              <a:t>21/11/2018</a:t>
+              <a:t>22/12/2018</a:t>
             </a:fld>
             <a:endParaRPr lang="en-GB"/>
           </a:p>
@@ -12712,8 +12713,8 @@
         </p:nvSpPr>
         <p:spPr>
           <a:xfrm>
-            <a:off x="331280" y="1054138"/>
-            <a:ext cx="3758677" cy="886153"/>
+            <a:off x="340258" y="1054138"/>
+            <a:ext cx="3970098" cy="886153"/>
           </a:xfrm>
           <a:prstGeom prst="roundRect">
             <a:avLst/>
@@ -12856,8 +12857,8 @@
         </p:nvSpPr>
         <p:spPr>
           <a:xfrm>
-            <a:off x="306173" y="2268158"/>
-            <a:ext cx="3804099" cy="4073370"/>
+            <a:off x="306173" y="2263713"/>
+            <a:ext cx="4004183" cy="4073370"/>
           </a:xfrm>
           <a:prstGeom prst="roundRect">
             <a:avLst/>
@@ -13099,7 +13100,7 @@
         </p:nvCxnSpPr>
         <p:spPr>
           <a:xfrm>
-            <a:off x="1102656" y="4870457"/>
+            <a:off x="836321" y="4728409"/>
             <a:ext cx="3927" cy="599317"/>
           </a:xfrm>
           <a:prstGeom prst="line">
@@ -13143,7 +13144,7 @@
         </p:nvCxnSpPr>
         <p:spPr>
           <a:xfrm>
-            <a:off x="1102656" y="4268938"/>
+            <a:off x="836321" y="4135768"/>
             <a:ext cx="0" cy="539092"/>
           </a:xfrm>
           <a:prstGeom prst="line">
@@ -13170,12 +13171,56 @@
           </a:fontRef>
         </p:style>
       </p:cxnSp>
-      <p:sp>
-        <p:nvSpPr>
-          <p:cNvPr id="57" name="Rectangle: Rounded Corners 56">
+      <p:cxnSp>
+        <p:nvCxnSpPr>
+          <p:cNvPr id="58" name="Straight Connector 57">
             <a:extLst>
               <a:ext uri="{FF2B5EF4-FFF2-40B4-BE49-F238E27FC236}">
-                <a16:creationId xmlns:a16="http://schemas.microsoft.com/office/drawing/2014/main" id="{D0381252-90BD-4DBA-8C7E-42ED8BC0DCE5}"/>
+                <a16:creationId xmlns:a16="http://schemas.microsoft.com/office/drawing/2014/main" id="{E17F4628-3D12-4B9F-AB6A-3BD1935AF1C7}"/>
+              </a:ext>
+            </a:extLst>
+          </p:cNvPr>
+          <p:cNvCxnSpPr>
+            <a:cxnSpLocks/>
+            <a:stCxn id="33" idx="2"/>
+          </p:cNvCxnSpPr>
+          <p:nvPr/>
+        </p:nvCxnSpPr>
+        <p:spPr>
+          <a:xfrm flipH="1">
+            <a:off x="2122130" y="3164910"/>
+            <a:ext cx="97468" cy="538560"/>
+          </a:xfrm>
+          <a:prstGeom prst="line">
+            <a:avLst/>
+          </a:prstGeom>
+          <a:ln w="25400">
+            <a:solidFill>
+              <a:schemeClr val="tx2"/>
+            </a:solidFill>
+          </a:ln>
+        </p:spPr>
+        <p:style>
+          <a:lnRef idx="1">
+            <a:schemeClr val="accent1"/>
+          </a:lnRef>
+          <a:fillRef idx="0">
+            <a:schemeClr val="accent1"/>
+          </a:fillRef>
+          <a:effectRef idx="0">
+            <a:schemeClr val="accent1"/>
+          </a:effectRef>
+          <a:fontRef idx="minor">
+            <a:schemeClr val="tx1"/>
+          </a:fontRef>
+        </p:style>
+      </p:cxnSp>
+      <p:sp>
+        <p:nvSpPr>
+          <p:cNvPr id="63" name="Rectangle: Rounded Corners 62">
+            <a:extLst>
+              <a:ext uri="{FF2B5EF4-FFF2-40B4-BE49-F238E27FC236}">
+                <a16:creationId xmlns:a16="http://schemas.microsoft.com/office/drawing/2014/main" id="{FA8CDC7E-DE57-45F6-8860-B3B682E09F22}"/>
               </a:ext>
             </a:extLst>
           </p:cNvPr>
@@ -13184,12 +13229,552 @@
         </p:nvSpPr>
         <p:spPr>
           <a:xfrm>
-            <a:off x="1770385" y="3680098"/>
-            <a:ext cx="942673" cy="477175"/>
+            <a:off x="4947759" y="2040210"/>
+            <a:ext cx="3806170" cy="368234"/>
           </a:xfrm>
           <a:prstGeom prst="roundRect">
             <a:avLst/>
           </a:prstGeom>
+          <a:solidFill>
+            <a:schemeClr val="accent4"/>
+          </a:solidFill>
+          <a:ln>
+            <a:solidFill>
+              <a:schemeClr val="accent2"/>
+            </a:solidFill>
+          </a:ln>
+        </p:spPr>
+        <p:style>
+          <a:lnRef idx="2">
+            <a:schemeClr val="accent1">
+              <a:shade val="50000"/>
+            </a:schemeClr>
+          </a:lnRef>
+          <a:fillRef idx="1">
+            <a:schemeClr val="accent1"/>
+          </a:fillRef>
+          <a:effectRef idx="0">
+            <a:schemeClr val="accent1"/>
+          </a:effectRef>
+          <a:fontRef idx="minor">
+            <a:schemeClr val="lt1"/>
+          </a:fontRef>
+        </p:style>
+        <p:txBody>
+          <a:bodyPr rtlCol="0" anchor="ctr"/>
+          <a:lstStyle/>
+          <a:p>
+            <a:pPr algn="ctr"/>
+            <a:r>
+              <a:rPr lang="en-GB" sz="966" b="1" dirty="0">
+                <a:solidFill>
+                  <a:schemeClr val="bg1"/>
+                </a:solidFill>
+              </a:rPr>
+              <a:t>Stakeholder Engagement Board</a:t>
+            </a:r>
+          </a:p>
+        </p:txBody>
+      </p:sp>
+      <p:sp>
+        <p:nvSpPr>
+          <p:cNvPr id="64" name="Rectangle: Rounded Corners 63">
+            <a:extLst>
+              <a:ext uri="{FF2B5EF4-FFF2-40B4-BE49-F238E27FC236}">
+                <a16:creationId xmlns:a16="http://schemas.microsoft.com/office/drawing/2014/main" id="{79560D0A-5767-4B3E-8F69-C1F2A014F421}"/>
+              </a:ext>
+            </a:extLst>
+          </p:cNvPr>
+          <p:cNvSpPr/>
+          <p:nvPr/>
+        </p:nvSpPr>
+        <p:spPr>
+          <a:xfrm>
+            <a:off x="4913172" y="3658763"/>
+            <a:ext cx="1274804" cy="477175"/>
+          </a:xfrm>
+          <a:prstGeom prst="roundRect">
+            <a:avLst/>
+          </a:prstGeom>
+        </p:spPr>
+        <p:style>
+          <a:lnRef idx="2">
+            <a:schemeClr val="accent4">
+              <a:shade val="50000"/>
+            </a:schemeClr>
+          </a:lnRef>
+          <a:fillRef idx="1">
+            <a:schemeClr val="accent4"/>
+          </a:fillRef>
+          <a:effectRef idx="0">
+            <a:schemeClr val="accent4"/>
+          </a:effectRef>
+          <a:fontRef idx="minor">
+            <a:schemeClr val="lt1"/>
+          </a:fontRef>
+        </p:style>
+        <p:txBody>
+          <a:bodyPr rtlCol="0" anchor="ctr"/>
+          <a:lstStyle/>
+          <a:p>
+            <a:pPr algn="ctr"/>
+            <a:r>
+              <a:rPr lang="en-GB" sz="604" b="1" dirty="0"/>
+              <a:t>EOSC Technical Oversight Committee</a:t>
+            </a:r>
+          </a:p>
+          <a:p>
+            <a:pPr algn="ctr"/>
+            <a:r>
+              <a:rPr lang="en-GB" sz="604" b="1" dirty="0"/>
+              <a:t>[define and monitor agreed quality measures]</a:t>
+            </a:r>
+          </a:p>
+        </p:txBody>
+      </p:sp>
+      <p:sp>
+        <p:nvSpPr>
+          <p:cNvPr id="69" name="Rectangle: Rounded Corners 68">
+            <a:extLst>
+              <a:ext uri="{FF2B5EF4-FFF2-40B4-BE49-F238E27FC236}">
+                <a16:creationId xmlns:a16="http://schemas.microsoft.com/office/drawing/2014/main" id="{AEF45702-6EE7-402F-AAD8-7D7B99D3A07B}"/>
+              </a:ext>
+            </a:extLst>
+          </p:cNvPr>
+          <p:cNvSpPr/>
+          <p:nvPr/>
+        </p:nvSpPr>
+        <p:spPr>
+          <a:xfrm>
+            <a:off x="4913171" y="4702817"/>
+            <a:ext cx="1126916" cy="600889"/>
+          </a:xfrm>
+          <a:prstGeom prst="roundRect">
+            <a:avLst/>
+          </a:prstGeom>
+        </p:spPr>
+        <p:style>
+          <a:lnRef idx="2">
+            <a:schemeClr val="accent4">
+              <a:shade val="50000"/>
+            </a:schemeClr>
+          </a:lnRef>
+          <a:fillRef idx="1">
+            <a:schemeClr val="accent4"/>
+          </a:fillRef>
+          <a:effectRef idx="0">
+            <a:schemeClr val="accent4"/>
+          </a:effectRef>
+          <a:fontRef idx="minor">
+            <a:schemeClr val="lt1"/>
+          </a:fontRef>
+        </p:style>
+        <p:txBody>
+          <a:bodyPr rtlCol="0" anchor="ctr"/>
+          <a:lstStyle/>
+          <a:p>
+            <a:pPr algn="ctr"/>
+            <a:r>
+              <a:rPr lang="en-GB" sz="604" b="1" dirty="0"/>
+              <a:t>EOSC Research Discipline Technical Sub-Committees</a:t>
+            </a:r>
+          </a:p>
+          <a:p>
+            <a:pPr algn="ctr"/>
+            <a:r>
+              <a:rPr lang="en-GB" sz="604" b="1" dirty="0"/>
+              <a:t>[define and monitor quality measures on behalf of research communities]</a:t>
+            </a:r>
+          </a:p>
+        </p:txBody>
+      </p:sp>
+      <p:sp>
+        <p:nvSpPr>
+          <p:cNvPr id="70" name="Rectangle: Rounded Corners 69">
+            <a:extLst>
+              <a:ext uri="{FF2B5EF4-FFF2-40B4-BE49-F238E27FC236}">
+                <a16:creationId xmlns:a16="http://schemas.microsoft.com/office/drawing/2014/main" id="{C366D2CC-536B-444D-AA53-B750B0E628C0}"/>
+              </a:ext>
+            </a:extLst>
+          </p:cNvPr>
+          <p:cNvSpPr/>
+          <p:nvPr/>
+        </p:nvSpPr>
+        <p:spPr>
+          <a:xfrm>
+            <a:off x="4959201" y="4748846"/>
+            <a:ext cx="1126916" cy="600889"/>
+          </a:xfrm>
+          <a:prstGeom prst="roundRect">
+            <a:avLst/>
+          </a:prstGeom>
+        </p:spPr>
+        <p:style>
+          <a:lnRef idx="2">
+            <a:schemeClr val="accent4">
+              <a:shade val="50000"/>
+            </a:schemeClr>
+          </a:lnRef>
+          <a:fillRef idx="1">
+            <a:schemeClr val="accent4"/>
+          </a:fillRef>
+          <a:effectRef idx="0">
+            <a:schemeClr val="accent4"/>
+          </a:effectRef>
+          <a:fontRef idx="minor">
+            <a:schemeClr val="lt1"/>
+          </a:fontRef>
+        </p:style>
+        <p:txBody>
+          <a:bodyPr rtlCol="0" anchor="ctr"/>
+          <a:lstStyle/>
+          <a:p>
+            <a:pPr algn="ctr"/>
+            <a:r>
+              <a:rPr lang="en-GB" sz="604" b="1" dirty="0"/>
+              <a:t>EOSC Research Discipline Technical Sub-Committees</a:t>
+            </a:r>
+          </a:p>
+          <a:p>
+            <a:pPr algn="ctr"/>
+            <a:r>
+              <a:rPr lang="en-GB" sz="604" b="1" dirty="0"/>
+              <a:t>[define and monitor quality measures on behalf of research communities]</a:t>
+            </a:r>
+          </a:p>
+        </p:txBody>
+      </p:sp>
+      <p:sp>
+        <p:nvSpPr>
+          <p:cNvPr id="71" name="Rectangle: Rounded Corners 70">
+            <a:extLst>
+              <a:ext uri="{FF2B5EF4-FFF2-40B4-BE49-F238E27FC236}">
+                <a16:creationId xmlns:a16="http://schemas.microsoft.com/office/drawing/2014/main" id="{EB1355E7-2E24-4EA4-95E8-367FA2281CCE}"/>
+              </a:ext>
+            </a:extLst>
+          </p:cNvPr>
+          <p:cNvSpPr/>
+          <p:nvPr/>
+        </p:nvSpPr>
+        <p:spPr>
+          <a:xfrm>
+            <a:off x="5005230" y="4794875"/>
+            <a:ext cx="1126916" cy="600889"/>
+          </a:xfrm>
+          <a:prstGeom prst="roundRect">
+            <a:avLst/>
+          </a:prstGeom>
+        </p:spPr>
+        <p:style>
+          <a:lnRef idx="2">
+            <a:schemeClr val="accent4">
+              <a:shade val="50000"/>
+            </a:schemeClr>
+          </a:lnRef>
+          <a:fillRef idx="1">
+            <a:schemeClr val="accent4"/>
+          </a:fillRef>
+          <a:effectRef idx="0">
+            <a:schemeClr val="accent4"/>
+          </a:effectRef>
+          <a:fontRef idx="minor">
+            <a:schemeClr val="lt1"/>
+          </a:fontRef>
+        </p:style>
+        <p:txBody>
+          <a:bodyPr rtlCol="0" anchor="ctr"/>
+          <a:lstStyle/>
+          <a:p>
+            <a:pPr algn="ctr"/>
+            <a:r>
+              <a:rPr lang="en-GB" sz="604" b="1" dirty="0"/>
+              <a:t>EOSC Research Discipline Technical Sub-Committees</a:t>
+            </a:r>
+          </a:p>
+          <a:p>
+            <a:pPr algn="ctr"/>
+            <a:r>
+              <a:rPr lang="en-GB" sz="604" b="1" dirty="0"/>
+              <a:t>[define and monitor quality measures on behalf of research communities]</a:t>
+            </a:r>
+          </a:p>
+        </p:txBody>
+      </p:sp>
+      <p:sp>
+        <p:nvSpPr>
+          <p:cNvPr id="72" name="Rectangle: Rounded Corners 71">
+            <a:extLst>
+              <a:ext uri="{FF2B5EF4-FFF2-40B4-BE49-F238E27FC236}">
+                <a16:creationId xmlns:a16="http://schemas.microsoft.com/office/drawing/2014/main" id="{16CC5A17-CA42-4878-81E8-8251975F148B}"/>
+              </a:ext>
+            </a:extLst>
+          </p:cNvPr>
+          <p:cNvSpPr/>
+          <p:nvPr/>
+        </p:nvSpPr>
+        <p:spPr>
+          <a:xfrm>
+            <a:off x="5051259" y="4840904"/>
+            <a:ext cx="1126916" cy="600889"/>
+          </a:xfrm>
+          <a:prstGeom prst="roundRect">
+            <a:avLst/>
+          </a:prstGeom>
+        </p:spPr>
+        <p:style>
+          <a:lnRef idx="2">
+            <a:schemeClr val="accent4">
+              <a:shade val="50000"/>
+            </a:schemeClr>
+          </a:lnRef>
+          <a:fillRef idx="1">
+            <a:schemeClr val="accent4"/>
+          </a:fillRef>
+          <a:effectRef idx="0">
+            <a:schemeClr val="accent4"/>
+          </a:effectRef>
+          <a:fontRef idx="minor">
+            <a:schemeClr val="lt1"/>
+          </a:fontRef>
+        </p:style>
+        <p:txBody>
+          <a:bodyPr rtlCol="0" anchor="ctr"/>
+          <a:lstStyle/>
+          <a:p>
+            <a:pPr algn="ctr"/>
+            <a:r>
+              <a:rPr lang="en-GB" sz="604" b="1" dirty="0"/>
+              <a:t>EOSC Research Discipline Technical Sub-Committees</a:t>
+            </a:r>
+          </a:p>
+          <a:p>
+            <a:pPr algn="ctr"/>
+            <a:r>
+              <a:rPr lang="en-GB" sz="604" b="1" dirty="0"/>
+              <a:t>[define and monitor quality measures on behalf of research communities]</a:t>
+            </a:r>
+          </a:p>
+        </p:txBody>
+      </p:sp>
+      <p:sp>
+        <p:nvSpPr>
+          <p:cNvPr id="74" name="Rectangle: Rounded Corners 73">
+            <a:extLst>
+              <a:ext uri="{FF2B5EF4-FFF2-40B4-BE49-F238E27FC236}">
+                <a16:creationId xmlns:a16="http://schemas.microsoft.com/office/drawing/2014/main" id="{E7F0C201-10E0-4637-9966-069F07F4D6F7}"/>
+              </a:ext>
+            </a:extLst>
+          </p:cNvPr>
+          <p:cNvSpPr/>
+          <p:nvPr/>
+        </p:nvSpPr>
+        <p:spPr>
+          <a:xfrm>
+            <a:off x="6384467" y="4723530"/>
+            <a:ext cx="1126916" cy="600889"/>
+          </a:xfrm>
+          <a:prstGeom prst="roundRect">
+            <a:avLst/>
+          </a:prstGeom>
+        </p:spPr>
+        <p:style>
+          <a:lnRef idx="2">
+            <a:schemeClr val="accent4">
+              <a:shade val="50000"/>
+            </a:schemeClr>
+          </a:lnRef>
+          <a:fillRef idx="1">
+            <a:schemeClr val="accent4"/>
+          </a:fillRef>
+          <a:effectRef idx="0">
+            <a:schemeClr val="accent4"/>
+          </a:effectRef>
+          <a:fontRef idx="minor">
+            <a:schemeClr val="lt1"/>
+          </a:fontRef>
+        </p:style>
+        <p:txBody>
+          <a:bodyPr rtlCol="0" anchor="ctr"/>
+          <a:lstStyle/>
+          <a:p>
+            <a:pPr algn="ctr"/>
+            <a:r>
+              <a:rPr lang="en-GB" sz="604" b="1" dirty="0"/>
+              <a:t>EOSC Research Discipline Demand  Panels</a:t>
+            </a:r>
+          </a:p>
+        </p:txBody>
+      </p:sp>
+      <p:sp>
+        <p:nvSpPr>
+          <p:cNvPr id="76" name="Rectangle: Rounded Corners 75">
+            <a:extLst>
+              <a:ext uri="{FF2B5EF4-FFF2-40B4-BE49-F238E27FC236}">
+                <a16:creationId xmlns:a16="http://schemas.microsoft.com/office/drawing/2014/main" id="{C38913B0-2640-49A9-AC00-EB20EFF9ACCA}"/>
+              </a:ext>
+            </a:extLst>
+          </p:cNvPr>
+          <p:cNvSpPr/>
+          <p:nvPr/>
+        </p:nvSpPr>
+        <p:spPr>
+          <a:xfrm>
+            <a:off x="6430496" y="4769559"/>
+            <a:ext cx="1126916" cy="600889"/>
+          </a:xfrm>
+          <a:prstGeom prst="roundRect">
+            <a:avLst/>
+          </a:prstGeom>
+        </p:spPr>
+        <p:style>
+          <a:lnRef idx="2">
+            <a:schemeClr val="accent4">
+              <a:shade val="50000"/>
+            </a:schemeClr>
+          </a:lnRef>
+          <a:fillRef idx="1">
+            <a:schemeClr val="accent4"/>
+          </a:fillRef>
+          <a:effectRef idx="0">
+            <a:schemeClr val="accent4"/>
+          </a:effectRef>
+          <a:fontRef idx="minor">
+            <a:schemeClr val="lt1"/>
+          </a:fontRef>
+        </p:style>
+        <p:txBody>
+          <a:bodyPr rtlCol="0" anchor="ctr"/>
+          <a:lstStyle/>
+          <a:p>
+            <a:pPr algn="ctr"/>
+            <a:r>
+              <a:rPr lang="en-GB" sz="604" b="1" dirty="0"/>
+              <a:t>EOSC Research Discipline Demand  Panels</a:t>
+            </a:r>
+          </a:p>
+        </p:txBody>
+      </p:sp>
+      <p:sp>
+        <p:nvSpPr>
+          <p:cNvPr id="77" name="Rectangle: Rounded Corners 76">
+            <a:extLst>
+              <a:ext uri="{FF2B5EF4-FFF2-40B4-BE49-F238E27FC236}">
+                <a16:creationId xmlns:a16="http://schemas.microsoft.com/office/drawing/2014/main" id="{63F92BAE-9F6E-4EA5-9EE5-C1FA5F8A6CE2}"/>
+              </a:ext>
+            </a:extLst>
+          </p:cNvPr>
+          <p:cNvSpPr/>
+          <p:nvPr/>
+        </p:nvSpPr>
+        <p:spPr>
+          <a:xfrm>
+            <a:off x="6476525" y="4815588"/>
+            <a:ext cx="1126916" cy="600889"/>
+          </a:xfrm>
+          <a:prstGeom prst="roundRect">
+            <a:avLst/>
+          </a:prstGeom>
+        </p:spPr>
+        <p:style>
+          <a:lnRef idx="2">
+            <a:schemeClr val="accent4">
+              <a:shade val="50000"/>
+            </a:schemeClr>
+          </a:lnRef>
+          <a:fillRef idx="1">
+            <a:schemeClr val="accent4"/>
+          </a:fillRef>
+          <a:effectRef idx="0">
+            <a:schemeClr val="accent4"/>
+          </a:effectRef>
+          <a:fontRef idx="minor">
+            <a:schemeClr val="lt1"/>
+          </a:fontRef>
+        </p:style>
+        <p:txBody>
+          <a:bodyPr rtlCol="0" anchor="ctr"/>
+          <a:lstStyle/>
+          <a:p>
+            <a:pPr algn="ctr"/>
+            <a:r>
+              <a:rPr lang="en-GB" sz="604" b="1" dirty="0"/>
+              <a:t>EOSC Research Discipline Demand  Panels</a:t>
+            </a:r>
+          </a:p>
+        </p:txBody>
+      </p:sp>
+      <p:sp>
+        <p:nvSpPr>
+          <p:cNvPr id="78" name="Rectangle: Rounded Corners 77">
+            <a:extLst>
+              <a:ext uri="{FF2B5EF4-FFF2-40B4-BE49-F238E27FC236}">
+                <a16:creationId xmlns:a16="http://schemas.microsoft.com/office/drawing/2014/main" id="{0F54D170-B528-4AAF-931C-6CA68971FBD1}"/>
+              </a:ext>
+            </a:extLst>
+          </p:cNvPr>
+          <p:cNvSpPr/>
+          <p:nvPr/>
+        </p:nvSpPr>
+        <p:spPr>
+          <a:xfrm>
+            <a:off x="6522555" y="4861618"/>
+            <a:ext cx="1126916" cy="600889"/>
+          </a:xfrm>
+          <a:prstGeom prst="roundRect">
+            <a:avLst/>
+          </a:prstGeom>
+        </p:spPr>
+        <p:style>
+          <a:lnRef idx="2">
+            <a:schemeClr val="accent4">
+              <a:shade val="50000"/>
+            </a:schemeClr>
+          </a:lnRef>
+          <a:fillRef idx="1">
+            <a:schemeClr val="accent4"/>
+          </a:fillRef>
+          <a:effectRef idx="0">
+            <a:schemeClr val="accent4"/>
+          </a:effectRef>
+          <a:fontRef idx="minor">
+            <a:schemeClr val="lt1"/>
+          </a:fontRef>
+        </p:style>
+        <p:txBody>
+          <a:bodyPr rtlCol="0" anchor="ctr"/>
+          <a:lstStyle/>
+          <a:p>
+            <a:pPr algn="ctr"/>
+            <a:r>
+              <a:rPr lang="en-GB" sz="604" b="1" dirty="0"/>
+              <a:t>EOSC Research Discipline Demand  Panels</a:t>
+            </a:r>
+          </a:p>
+        </p:txBody>
+      </p:sp>
+      <p:sp>
+        <p:nvSpPr>
+          <p:cNvPr id="79" name="Rectangle: Rounded Corners 78">
+            <a:extLst>
+              <a:ext uri="{FF2B5EF4-FFF2-40B4-BE49-F238E27FC236}">
+                <a16:creationId xmlns:a16="http://schemas.microsoft.com/office/drawing/2014/main" id="{A7EA64CF-7E4E-4F77-AD2F-C858FB75D405}"/>
+              </a:ext>
+            </a:extLst>
+          </p:cNvPr>
+          <p:cNvSpPr/>
+          <p:nvPr/>
+        </p:nvSpPr>
+        <p:spPr>
+          <a:xfrm>
+            <a:off x="501301" y="1388251"/>
+            <a:ext cx="3573549" cy="368234"/>
+          </a:xfrm>
+          <a:prstGeom prst="roundRect">
+            <a:avLst/>
+          </a:prstGeom>
+          <a:solidFill>
+            <a:srgbClr val="FF0000"/>
+          </a:solidFill>
         </p:spPr>
         <p:style>
           <a:lnRef idx="2">
@@ -13213,689 +13798,6 @@
           <a:p>
             <a:pPr algn="ctr"/>
             <a:r>
-              <a:rPr lang="en-GB" sz="604" b="1" dirty="0"/>
-              <a:t>Resource Allocation Committee</a:t>
-            </a:r>
-          </a:p>
-        </p:txBody>
-      </p:sp>
-      <p:cxnSp>
-        <p:nvCxnSpPr>
-          <p:cNvPr id="58" name="Straight Connector 57">
-            <a:extLst>
-              <a:ext uri="{FF2B5EF4-FFF2-40B4-BE49-F238E27FC236}">
-                <a16:creationId xmlns:a16="http://schemas.microsoft.com/office/drawing/2014/main" id="{E17F4628-3D12-4B9F-AB6A-3BD1935AF1C7}"/>
-              </a:ext>
-            </a:extLst>
-          </p:cNvPr>
-          <p:cNvCxnSpPr>
-            <a:cxnSpLocks/>
-            <a:stCxn id="33" idx="2"/>
-            <a:endCxn id="57" idx="0"/>
-          </p:cNvCxnSpPr>
-          <p:nvPr/>
-        </p:nvCxnSpPr>
-        <p:spPr>
-          <a:xfrm>
-            <a:off x="2219597" y="3164910"/>
-            <a:ext cx="22125" cy="515188"/>
-          </a:xfrm>
-          <a:prstGeom prst="line">
-            <a:avLst/>
-          </a:prstGeom>
-          <a:ln w="25400">
-            <a:solidFill>
-              <a:schemeClr val="tx2"/>
-            </a:solidFill>
-          </a:ln>
-        </p:spPr>
-        <p:style>
-          <a:lnRef idx="1">
-            <a:schemeClr val="accent1"/>
-          </a:lnRef>
-          <a:fillRef idx="0">
-            <a:schemeClr val="accent1"/>
-          </a:fillRef>
-          <a:effectRef idx="0">
-            <a:schemeClr val="accent1"/>
-          </a:effectRef>
-          <a:fontRef idx="minor">
-            <a:schemeClr val="tx1"/>
-          </a:fontRef>
-        </p:style>
-      </p:cxnSp>
-      <p:sp>
-        <p:nvSpPr>
-          <p:cNvPr id="63" name="Rectangle: Rounded Corners 62">
-            <a:extLst>
-              <a:ext uri="{FF2B5EF4-FFF2-40B4-BE49-F238E27FC236}">
-                <a16:creationId xmlns:a16="http://schemas.microsoft.com/office/drawing/2014/main" id="{FA8CDC7E-DE57-45F6-8860-B3B682E09F22}"/>
-              </a:ext>
-            </a:extLst>
-          </p:cNvPr>
-          <p:cNvSpPr/>
-          <p:nvPr/>
-        </p:nvSpPr>
-        <p:spPr>
-          <a:xfrm>
-            <a:off x="4947759" y="2040210"/>
-            <a:ext cx="3806170" cy="368234"/>
-          </a:xfrm>
-          <a:prstGeom prst="roundRect">
-            <a:avLst/>
-          </a:prstGeom>
-          <a:solidFill>
-            <a:schemeClr val="accent4"/>
-          </a:solidFill>
-          <a:ln>
-            <a:solidFill>
-              <a:schemeClr val="accent2"/>
-            </a:solidFill>
-          </a:ln>
-        </p:spPr>
-        <p:style>
-          <a:lnRef idx="2">
-            <a:schemeClr val="accent1">
-              <a:shade val="50000"/>
-            </a:schemeClr>
-          </a:lnRef>
-          <a:fillRef idx="1">
-            <a:schemeClr val="accent1"/>
-          </a:fillRef>
-          <a:effectRef idx="0">
-            <a:schemeClr val="accent1"/>
-          </a:effectRef>
-          <a:fontRef idx="minor">
-            <a:schemeClr val="lt1"/>
-          </a:fontRef>
-        </p:style>
-        <p:txBody>
-          <a:bodyPr rtlCol="0" anchor="ctr"/>
-          <a:lstStyle/>
-          <a:p>
-            <a:pPr algn="ctr"/>
-            <a:r>
-              <a:rPr lang="en-GB" sz="966" b="1" dirty="0">
-                <a:solidFill>
-                  <a:schemeClr val="bg1"/>
-                </a:solidFill>
-              </a:rPr>
-              <a:t>Stakeholder Engagement Board</a:t>
-            </a:r>
-          </a:p>
-        </p:txBody>
-      </p:sp>
-      <p:sp>
-        <p:nvSpPr>
-          <p:cNvPr id="64" name="Rectangle: Rounded Corners 63">
-            <a:extLst>
-              <a:ext uri="{FF2B5EF4-FFF2-40B4-BE49-F238E27FC236}">
-                <a16:creationId xmlns:a16="http://schemas.microsoft.com/office/drawing/2014/main" id="{79560D0A-5767-4B3E-8F69-C1F2A014F421}"/>
-              </a:ext>
-            </a:extLst>
-          </p:cNvPr>
-          <p:cNvSpPr/>
-          <p:nvPr/>
-        </p:nvSpPr>
-        <p:spPr>
-          <a:xfrm>
-            <a:off x="4913172" y="3658763"/>
-            <a:ext cx="1274804" cy="477175"/>
-          </a:xfrm>
-          <a:prstGeom prst="roundRect">
-            <a:avLst/>
-          </a:prstGeom>
-        </p:spPr>
-        <p:style>
-          <a:lnRef idx="2">
-            <a:schemeClr val="accent4">
-              <a:shade val="50000"/>
-            </a:schemeClr>
-          </a:lnRef>
-          <a:fillRef idx="1">
-            <a:schemeClr val="accent4"/>
-          </a:fillRef>
-          <a:effectRef idx="0">
-            <a:schemeClr val="accent4"/>
-          </a:effectRef>
-          <a:fontRef idx="minor">
-            <a:schemeClr val="lt1"/>
-          </a:fontRef>
-        </p:style>
-        <p:txBody>
-          <a:bodyPr rtlCol="0" anchor="ctr"/>
-          <a:lstStyle/>
-          <a:p>
-            <a:pPr algn="ctr"/>
-            <a:r>
-              <a:rPr lang="en-GB" sz="604" b="1" dirty="0"/>
-              <a:t>EOSC Technical Oversight Committee</a:t>
-            </a:r>
-          </a:p>
-          <a:p>
-            <a:pPr algn="ctr"/>
-            <a:r>
-              <a:rPr lang="en-GB" sz="604" b="1" dirty="0"/>
-              <a:t>[define and monitor agreed quality measures]</a:t>
-            </a:r>
-          </a:p>
-        </p:txBody>
-      </p:sp>
-      <p:sp>
-        <p:nvSpPr>
-          <p:cNvPr id="69" name="Rectangle: Rounded Corners 68">
-            <a:extLst>
-              <a:ext uri="{FF2B5EF4-FFF2-40B4-BE49-F238E27FC236}">
-                <a16:creationId xmlns:a16="http://schemas.microsoft.com/office/drawing/2014/main" id="{AEF45702-6EE7-402F-AAD8-7D7B99D3A07B}"/>
-              </a:ext>
-            </a:extLst>
-          </p:cNvPr>
-          <p:cNvSpPr/>
-          <p:nvPr/>
-        </p:nvSpPr>
-        <p:spPr>
-          <a:xfrm>
-            <a:off x="4913171" y="4578525"/>
-            <a:ext cx="1126916" cy="600889"/>
-          </a:xfrm>
-          <a:prstGeom prst="roundRect">
-            <a:avLst/>
-          </a:prstGeom>
-        </p:spPr>
-        <p:style>
-          <a:lnRef idx="2">
-            <a:schemeClr val="accent4">
-              <a:shade val="50000"/>
-            </a:schemeClr>
-          </a:lnRef>
-          <a:fillRef idx="1">
-            <a:schemeClr val="accent4"/>
-          </a:fillRef>
-          <a:effectRef idx="0">
-            <a:schemeClr val="accent4"/>
-          </a:effectRef>
-          <a:fontRef idx="minor">
-            <a:schemeClr val="lt1"/>
-          </a:fontRef>
-        </p:style>
-        <p:txBody>
-          <a:bodyPr rtlCol="0" anchor="ctr"/>
-          <a:lstStyle/>
-          <a:p>
-            <a:pPr algn="ctr"/>
-            <a:r>
-              <a:rPr lang="en-GB" sz="604" b="1" dirty="0"/>
-              <a:t>EOSC Research Discipline Technical Sub-Committees</a:t>
-            </a:r>
-          </a:p>
-          <a:p>
-            <a:pPr algn="ctr"/>
-            <a:r>
-              <a:rPr lang="en-GB" sz="604" b="1" dirty="0"/>
-              <a:t>[define and monitor quality measures on behalf of research communities]</a:t>
-            </a:r>
-          </a:p>
-        </p:txBody>
-      </p:sp>
-      <p:sp>
-        <p:nvSpPr>
-          <p:cNvPr id="70" name="Rectangle: Rounded Corners 69">
-            <a:extLst>
-              <a:ext uri="{FF2B5EF4-FFF2-40B4-BE49-F238E27FC236}">
-                <a16:creationId xmlns:a16="http://schemas.microsoft.com/office/drawing/2014/main" id="{C366D2CC-536B-444D-AA53-B750B0E628C0}"/>
-              </a:ext>
-            </a:extLst>
-          </p:cNvPr>
-          <p:cNvSpPr/>
-          <p:nvPr/>
-        </p:nvSpPr>
-        <p:spPr>
-          <a:xfrm>
-            <a:off x="4959201" y="4624554"/>
-            <a:ext cx="1126916" cy="600889"/>
-          </a:xfrm>
-          <a:prstGeom prst="roundRect">
-            <a:avLst/>
-          </a:prstGeom>
-        </p:spPr>
-        <p:style>
-          <a:lnRef idx="2">
-            <a:schemeClr val="accent4">
-              <a:shade val="50000"/>
-            </a:schemeClr>
-          </a:lnRef>
-          <a:fillRef idx="1">
-            <a:schemeClr val="accent4"/>
-          </a:fillRef>
-          <a:effectRef idx="0">
-            <a:schemeClr val="accent4"/>
-          </a:effectRef>
-          <a:fontRef idx="minor">
-            <a:schemeClr val="lt1"/>
-          </a:fontRef>
-        </p:style>
-        <p:txBody>
-          <a:bodyPr rtlCol="0" anchor="ctr"/>
-          <a:lstStyle/>
-          <a:p>
-            <a:pPr algn="ctr"/>
-            <a:r>
-              <a:rPr lang="en-GB" sz="604" b="1" dirty="0"/>
-              <a:t>EOSC Research Discipline Technical Sub-Committees</a:t>
-            </a:r>
-          </a:p>
-          <a:p>
-            <a:pPr algn="ctr"/>
-            <a:r>
-              <a:rPr lang="en-GB" sz="604" b="1" dirty="0"/>
-              <a:t>[define and monitor quality measures on behalf of research communities]</a:t>
-            </a:r>
-          </a:p>
-        </p:txBody>
-      </p:sp>
-      <p:sp>
-        <p:nvSpPr>
-          <p:cNvPr id="71" name="Rectangle: Rounded Corners 70">
-            <a:extLst>
-              <a:ext uri="{FF2B5EF4-FFF2-40B4-BE49-F238E27FC236}">
-                <a16:creationId xmlns:a16="http://schemas.microsoft.com/office/drawing/2014/main" id="{EB1355E7-2E24-4EA4-95E8-367FA2281CCE}"/>
-              </a:ext>
-            </a:extLst>
-          </p:cNvPr>
-          <p:cNvSpPr/>
-          <p:nvPr/>
-        </p:nvSpPr>
-        <p:spPr>
-          <a:xfrm>
-            <a:off x="5005230" y="4670583"/>
-            <a:ext cx="1126916" cy="600889"/>
-          </a:xfrm>
-          <a:prstGeom prst="roundRect">
-            <a:avLst/>
-          </a:prstGeom>
-        </p:spPr>
-        <p:style>
-          <a:lnRef idx="2">
-            <a:schemeClr val="accent4">
-              <a:shade val="50000"/>
-            </a:schemeClr>
-          </a:lnRef>
-          <a:fillRef idx="1">
-            <a:schemeClr val="accent4"/>
-          </a:fillRef>
-          <a:effectRef idx="0">
-            <a:schemeClr val="accent4"/>
-          </a:effectRef>
-          <a:fontRef idx="minor">
-            <a:schemeClr val="lt1"/>
-          </a:fontRef>
-        </p:style>
-        <p:txBody>
-          <a:bodyPr rtlCol="0" anchor="ctr"/>
-          <a:lstStyle/>
-          <a:p>
-            <a:pPr algn="ctr"/>
-            <a:r>
-              <a:rPr lang="en-GB" sz="604" b="1" dirty="0"/>
-              <a:t>EOSC Research Discipline Technical Sub-Committees</a:t>
-            </a:r>
-          </a:p>
-          <a:p>
-            <a:pPr algn="ctr"/>
-            <a:r>
-              <a:rPr lang="en-GB" sz="604" b="1" dirty="0"/>
-              <a:t>[define and monitor quality measures on behalf of research communities]</a:t>
-            </a:r>
-          </a:p>
-        </p:txBody>
-      </p:sp>
-      <p:sp>
-        <p:nvSpPr>
-          <p:cNvPr id="72" name="Rectangle: Rounded Corners 71">
-            <a:extLst>
-              <a:ext uri="{FF2B5EF4-FFF2-40B4-BE49-F238E27FC236}">
-                <a16:creationId xmlns:a16="http://schemas.microsoft.com/office/drawing/2014/main" id="{16CC5A17-CA42-4878-81E8-8251975F148B}"/>
-              </a:ext>
-            </a:extLst>
-          </p:cNvPr>
-          <p:cNvSpPr/>
-          <p:nvPr/>
-        </p:nvSpPr>
-        <p:spPr>
-          <a:xfrm>
-            <a:off x="5051259" y="4716612"/>
-            <a:ext cx="1126916" cy="600889"/>
-          </a:xfrm>
-          <a:prstGeom prst="roundRect">
-            <a:avLst/>
-          </a:prstGeom>
-        </p:spPr>
-        <p:style>
-          <a:lnRef idx="2">
-            <a:schemeClr val="accent4">
-              <a:shade val="50000"/>
-            </a:schemeClr>
-          </a:lnRef>
-          <a:fillRef idx="1">
-            <a:schemeClr val="accent4"/>
-          </a:fillRef>
-          <a:effectRef idx="0">
-            <a:schemeClr val="accent4"/>
-          </a:effectRef>
-          <a:fontRef idx="minor">
-            <a:schemeClr val="lt1"/>
-          </a:fontRef>
-        </p:style>
-        <p:txBody>
-          <a:bodyPr rtlCol="0" anchor="ctr"/>
-          <a:lstStyle/>
-          <a:p>
-            <a:pPr algn="ctr"/>
-            <a:r>
-              <a:rPr lang="en-GB" sz="604" b="1" dirty="0"/>
-              <a:t>EOSC Research Discipline Technical Sub-Committees</a:t>
-            </a:r>
-          </a:p>
-          <a:p>
-            <a:pPr algn="ctr"/>
-            <a:r>
-              <a:rPr lang="en-GB" sz="604" b="1" dirty="0"/>
-              <a:t>[define and monitor quality measures on behalf of research communities]</a:t>
-            </a:r>
-          </a:p>
-        </p:txBody>
-      </p:sp>
-      <p:sp>
-        <p:nvSpPr>
-          <p:cNvPr id="73" name="Rectangle: Rounded Corners 72">
-            <a:extLst>
-              <a:ext uri="{FF2B5EF4-FFF2-40B4-BE49-F238E27FC236}">
-                <a16:creationId xmlns:a16="http://schemas.microsoft.com/office/drawing/2014/main" id="{B3B33AEE-2772-4311-8E2D-FFB75FF2799F}"/>
-              </a:ext>
-            </a:extLst>
-          </p:cNvPr>
-          <p:cNvSpPr/>
-          <p:nvPr/>
-        </p:nvSpPr>
-        <p:spPr>
-          <a:xfrm>
-            <a:off x="6384467" y="3672572"/>
-            <a:ext cx="1274804" cy="477175"/>
-          </a:xfrm>
-          <a:prstGeom prst="roundRect">
-            <a:avLst/>
-          </a:prstGeom>
-        </p:spPr>
-        <p:style>
-          <a:lnRef idx="2">
-            <a:schemeClr val="accent4">
-              <a:shade val="50000"/>
-            </a:schemeClr>
-          </a:lnRef>
-          <a:fillRef idx="1">
-            <a:schemeClr val="accent4"/>
-          </a:fillRef>
-          <a:effectRef idx="0">
-            <a:schemeClr val="accent4"/>
-          </a:effectRef>
-          <a:fontRef idx="minor">
-            <a:schemeClr val="lt1"/>
-          </a:fontRef>
-        </p:style>
-        <p:txBody>
-          <a:bodyPr rtlCol="0" anchor="ctr"/>
-          <a:lstStyle/>
-          <a:p>
-            <a:pPr algn="ctr"/>
-            <a:r>
-              <a:rPr lang="en-GB" sz="725" b="1" dirty="0"/>
-              <a:t>Research Resource Demand Committee</a:t>
-            </a:r>
-          </a:p>
-        </p:txBody>
-      </p:sp>
-      <p:sp>
-        <p:nvSpPr>
-          <p:cNvPr id="74" name="Rectangle: Rounded Corners 73">
-            <a:extLst>
-              <a:ext uri="{FF2B5EF4-FFF2-40B4-BE49-F238E27FC236}">
-                <a16:creationId xmlns:a16="http://schemas.microsoft.com/office/drawing/2014/main" id="{E7F0C201-10E0-4637-9966-069F07F4D6F7}"/>
-              </a:ext>
-            </a:extLst>
-          </p:cNvPr>
-          <p:cNvSpPr/>
-          <p:nvPr/>
-        </p:nvSpPr>
-        <p:spPr>
-          <a:xfrm>
-            <a:off x="6384467" y="4599238"/>
-            <a:ext cx="1126916" cy="600889"/>
-          </a:xfrm>
-          <a:prstGeom prst="roundRect">
-            <a:avLst/>
-          </a:prstGeom>
-        </p:spPr>
-        <p:style>
-          <a:lnRef idx="2">
-            <a:schemeClr val="accent4">
-              <a:shade val="50000"/>
-            </a:schemeClr>
-          </a:lnRef>
-          <a:fillRef idx="1">
-            <a:schemeClr val="accent4"/>
-          </a:fillRef>
-          <a:effectRef idx="0">
-            <a:schemeClr val="accent4"/>
-          </a:effectRef>
-          <a:fontRef idx="minor">
-            <a:schemeClr val="lt1"/>
-          </a:fontRef>
-        </p:style>
-        <p:txBody>
-          <a:bodyPr rtlCol="0" anchor="ctr"/>
-          <a:lstStyle/>
-          <a:p>
-            <a:pPr algn="ctr"/>
-            <a:r>
-              <a:rPr lang="en-GB" sz="604" b="1" dirty="0"/>
-              <a:t>EOSC Research Discipline Demand  Panels</a:t>
-            </a:r>
-          </a:p>
-        </p:txBody>
-      </p:sp>
-      <p:sp>
-        <p:nvSpPr>
-          <p:cNvPr id="76" name="Rectangle: Rounded Corners 75">
-            <a:extLst>
-              <a:ext uri="{FF2B5EF4-FFF2-40B4-BE49-F238E27FC236}">
-                <a16:creationId xmlns:a16="http://schemas.microsoft.com/office/drawing/2014/main" id="{C38913B0-2640-49A9-AC00-EB20EFF9ACCA}"/>
-              </a:ext>
-            </a:extLst>
-          </p:cNvPr>
-          <p:cNvSpPr/>
-          <p:nvPr/>
-        </p:nvSpPr>
-        <p:spPr>
-          <a:xfrm>
-            <a:off x="6430496" y="4645267"/>
-            <a:ext cx="1126916" cy="600889"/>
-          </a:xfrm>
-          <a:prstGeom prst="roundRect">
-            <a:avLst/>
-          </a:prstGeom>
-        </p:spPr>
-        <p:style>
-          <a:lnRef idx="2">
-            <a:schemeClr val="accent4">
-              <a:shade val="50000"/>
-            </a:schemeClr>
-          </a:lnRef>
-          <a:fillRef idx="1">
-            <a:schemeClr val="accent4"/>
-          </a:fillRef>
-          <a:effectRef idx="0">
-            <a:schemeClr val="accent4"/>
-          </a:effectRef>
-          <a:fontRef idx="minor">
-            <a:schemeClr val="lt1"/>
-          </a:fontRef>
-        </p:style>
-        <p:txBody>
-          <a:bodyPr rtlCol="0" anchor="ctr"/>
-          <a:lstStyle/>
-          <a:p>
-            <a:pPr algn="ctr"/>
-            <a:r>
-              <a:rPr lang="en-GB" sz="604" b="1" dirty="0"/>
-              <a:t>EOSC Research Discipline Demand  Panels</a:t>
-            </a:r>
-          </a:p>
-        </p:txBody>
-      </p:sp>
-      <p:sp>
-        <p:nvSpPr>
-          <p:cNvPr id="77" name="Rectangle: Rounded Corners 76">
-            <a:extLst>
-              <a:ext uri="{FF2B5EF4-FFF2-40B4-BE49-F238E27FC236}">
-                <a16:creationId xmlns:a16="http://schemas.microsoft.com/office/drawing/2014/main" id="{63F92BAE-9F6E-4EA5-9EE5-C1FA5F8A6CE2}"/>
-              </a:ext>
-            </a:extLst>
-          </p:cNvPr>
-          <p:cNvSpPr/>
-          <p:nvPr/>
-        </p:nvSpPr>
-        <p:spPr>
-          <a:xfrm>
-            <a:off x="6476525" y="4691296"/>
-            <a:ext cx="1126916" cy="600889"/>
-          </a:xfrm>
-          <a:prstGeom prst="roundRect">
-            <a:avLst/>
-          </a:prstGeom>
-        </p:spPr>
-        <p:style>
-          <a:lnRef idx="2">
-            <a:schemeClr val="accent4">
-              <a:shade val="50000"/>
-            </a:schemeClr>
-          </a:lnRef>
-          <a:fillRef idx="1">
-            <a:schemeClr val="accent4"/>
-          </a:fillRef>
-          <a:effectRef idx="0">
-            <a:schemeClr val="accent4"/>
-          </a:effectRef>
-          <a:fontRef idx="minor">
-            <a:schemeClr val="lt1"/>
-          </a:fontRef>
-        </p:style>
-        <p:txBody>
-          <a:bodyPr rtlCol="0" anchor="ctr"/>
-          <a:lstStyle/>
-          <a:p>
-            <a:pPr algn="ctr"/>
-            <a:r>
-              <a:rPr lang="en-GB" sz="604" b="1" dirty="0"/>
-              <a:t>EOSC Research Discipline Demand  Panels</a:t>
-            </a:r>
-          </a:p>
-        </p:txBody>
-      </p:sp>
-      <p:sp>
-        <p:nvSpPr>
-          <p:cNvPr id="78" name="Rectangle: Rounded Corners 77">
-            <a:extLst>
-              <a:ext uri="{FF2B5EF4-FFF2-40B4-BE49-F238E27FC236}">
-                <a16:creationId xmlns:a16="http://schemas.microsoft.com/office/drawing/2014/main" id="{0F54D170-B528-4AAF-931C-6CA68971FBD1}"/>
-              </a:ext>
-            </a:extLst>
-          </p:cNvPr>
-          <p:cNvSpPr/>
-          <p:nvPr/>
-        </p:nvSpPr>
-        <p:spPr>
-          <a:xfrm>
-            <a:off x="6522555" y="4737326"/>
-            <a:ext cx="1126916" cy="600889"/>
-          </a:xfrm>
-          <a:prstGeom prst="roundRect">
-            <a:avLst/>
-          </a:prstGeom>
-        </p:spPr>
-        <p:style>
-          <a:lnRef idx="2">
-            <a:schemeClr val="accent4">
-              <a:shade val="50000"/>
-            </a:schemeClr>
-          </a:lnRef>
-          <a:fillRef idx="1">
-            <a:schemeClr val="accent4"/>
-          </a:fillRef>
-          <a:effectRef idx="0">
-            <a:schemeClr val="accent4"/>
-          </a:effectRef>
-          <a:fontRef idx="minor">
-            <a:schemeClr val="lt1"/>
-          </a:fontRef>
-        </p:style>
-        <p:txBody>
-          <a:bodyPr rtlCol="0" anchor="ctr"/>
-          <a:lstStyle/>
-          <a:p>
-            <a:pPr algn="ctr"/>
-            <a:r>
-              <a:rPr lang="en-GB" sz="604" b="1" dirty="0"/>
-              <a:t>EOSC Research Discipline Demand  Panels</a:t>
-            </a:r>
-          </a:p>
-        </p:txBody>
-      </p:sp>
-      <p:sp>
-        <p:nvSpPr>
-          <p:cNvPr id="79" name="Rectangle: Rounded Corners 78">
-            <a:extLst>
-              <a:ext uri="{FF2B5EF4-FFF2-40B4-BE49-F238E27FC236}">
-                <a16:creationId xmlns:a16="http://schemas.microsoft.com/office/drawing/2014/main" id="{A7EA64CF-7E4E-4F77-AD2F-C858FB75D405}"/>
-              </a:ext>
-            </a:extLst>
-          </p:cNvPr>
-          <p:cNvSpPr/>
-          <p:nvPr/>
-        </p:nvSpPr>
-        <p:spPr>
-          <a:xfrm>
-            <a:off x="501301" y="1388251"/>
-            <a:ext cx="3306575" cy="368234"/>
-          </a:xfrm>
-          <a:prstGeom prst="roundRect">
-            <a:avLst/>
-          </a:prstGeom>
-          <a:solidFill>
-            <a:srgbClr val="FF0000"/>
-          </a:solidFill>
-        </p:spPr>
-        <p:style>
-          <a:lnRef idx="2">
-            <a:schemeClr val="accent5">
-              <a:shade val="50000"/>
-            </a:schemeClr>
-          </a:lnRef>
-          <a:fillRef idx="1">
-            <a:schemeClr val="accent5"/>
-          </a:fillRef>
-          <a:effectRef idx="0">
-            <a:schemeClr val="accent5"/>
-          </a:effectRef>
-          <a:fontRef idx="minor">
-            <a:schemeClr val="lt1"/>
-          </a:fontRef>
-        </p:style>
-        <p:txBody>
-          <a:bodyPr rtlCol="0" anchor="ctr"/>
-          <a:lstStyle/>
-          <a:p>
-            <a:pPr algn="ctr"/>
-            <a:r>
               <a:rPr lang="en-GB" sz="966" b="1" dirty="0"/>
               <a:t>EOSC Member Countries and Funders Governing Board</a:t>
             </a:r>
@@ -13919,8 +13821,8 @@
         </p:nvCxnSpPr>
         <p:spPr>
           <a:xfrm>
-            <a:off x="5550574" y="4135939"/>
-            <a:ext cx="0" cy="419926"/>
+            <a:off x="5550574" y="4135938"/>
+            <a:ext cx="0" cy="587592"/>
           </a:xfrm>
           <a:prstGeom prst="line">
             <a:avLst/>
@@ -13964,8 +13866,8 @@
         </p:nvCxnSpPr>
         <p:spPr>
           <a:xfrm>
-            <a:off x="7021870" y="4149748"/>
-            <a:ext cx="64143" cy="587578"/>
+            <a:off x="7021869" y="4149747"/>
+            <a:ext cx="64144" cy="711871"/>
           </a:xfrm>
           <a:prstGeom prst="line">
             <a:avLst/>
@@ -14095,8 +13997,8 @@
         </p:nvSpPr>
         <p:spPr>
           <a:xfrm flipH="1">
-            <a:off x="1199062" y="3379123"/>
-            <a:ext cx="4495297" cy="244497"/>
+            <a:off x="850067" y="3382460"/>
+            <a:ext cx="4844291" cy="241160"/>
           </a:xfrm>
           <a:prstGeom prst="curvedDownArrow">
             <a:avLst/>
@@ -14239,70 +14141,6 @@
           </a:p>
         </p:txBody>
       </p:sp>
-      <p:sp>
-        <p:nvSpPr>
-          <p:cNvPr id="103" name="Arrow: Curved Up 102">
-            <a:extLst>
-              <a:ext uri="{FF2B5EF4-FFF2-40B4-BE49-F238E27FC236}">
-                <a16:creationId xmlns:a16="http://schemas.microsoft.com/office/drawing/2014/main" id="{527F1DC6-F6EE-4CA7-B984-2806E71F6B72}"/>
-              </a:ext>
-            </a:extLst>
-          </p:cNvPr>
-          <p:cNvSpPr/>
-          <p:nvPr/>
-        </p:nvSpPr>
-        <p:spPr>
-          <a:xfrm flipH="1">
-            <a:off x="2241722" y="4174467"/>
-            <a:ext cx="4844290" cy="227948"/>
-          </a:xfrm>
-          <a:prstGeom prst="curvedUpArrow">
-            <a:avLst/>
-          </a:prstGeom>
-        </p:spPr>
-        <p:style>
-          <a:lnRef idx="2">
-            <a:schemeClr val="accent3">
-              <a:shade val="50000"/>
-            </a:schemeClr>
-          </a:lnRef>
-          <a:fillRef idx="1">
-            <a:schemeClr val="accent3"/>
-          </a:fillRef>
-          <a:effectRef idx="0">
-            <a:schemeClr val="accent3"/>
-          </a:effectRef>
-          <a:fontRef idx="minor">
-            <a:schemeClr val="lt1"/>
-          </a:fontRef>
-        </p:style>
-        <p:txBody>
-          <a:bodyPr rtlCol="0" anchor="ctr"/>
-          <a:lstStyle/>
-          <a:p>
-            <a:pPr algn="ctr"/>
-            <a:r>
-              <a:rPr lang="en-GB" sz="725" dirty="0">
-                <a:solidFill>
-                  <a:schemeClr val="tx1"/>
-                </a:solidFill>
-              </a:rPr>
-              <a:t>Scientific Case Requirements &amp; Proposals</a:t>
-            </a:r>
-          </a:p>
-          <a:p>
-            <a:pPr algn="ctr"/>
-            <a:r>
-              <a:rPr lang="en-GB" sz="725" dirty="0">
-                <a:solidFill>
-                  <a:schemeClr val="tx1"/>
-                </a:solidFill>
-              </a:rPr>
-              <a:t>Policy\Principles of Engagement Requirements &amp; Proposals</a:t>
-            </a:r>
-          </a:p>
-        </p:txBody>
-      </p:sp>
       <p:cxnSp>
         <p:nvCxnSpPr>
           <p:cNvPr id="105" name="Straight Connector 104">
@@ -14321,8 +14159,8 @@
         </p:nvCxnSpPr>
         <p:spPr>
           <a:xfrm>
-            <a:off x="3807876" y="1572368"/>
-            <a:ext cx="1139883" cy="651959"/>
+            <a:off x="4074850" y="1572368"/>
+            <a:ext cx="872909" cy="651959"/>
           </a:xfrm>
           <a:prstGeom prst="line">
             <a:avLst/>
@@ -14409,7 +14247,7 @@
         </p:nvSpPr>
         <p:spPr>
           <a:xfrm>
-            <a:off x="4901730" y="5538360"/>
+            <a:off x="5070408" y="5689286"/>
             <a:ext cx="1044240" cy="381376"/>
           </a:xfrm>
           <a:prstGeom prst="roundRect">
@@ -14458,7 +14296,7 @@
         </p:nvSpPr>
         <p:spPr>
           <a:xfrm>
-            <a:off x="4947759" y="5584389"/>
+            <a:off x="5116437" y="5735315"/>
             <a:ext cx="1044240" cy="381376"/>
           </a:xfrm>
           <a:prstGeom prst="roundRect">
@@ -14507,7 +14345,7 @@
         </p:nvSpPr>
         <p:spPr>
           <a:xfrm>
-            <a:off x="4993788" y="5630418"/>
+            <a:off x="5162466" y="5781344"/>
             <a:ext cx="1044240" cy="381376"/>
           </a:xfrm>
           <a:prstGeom prst="roundRect">
@@ -14556,7 +14394,7 @@
         </p:nvSpPr>
         <p:spPr>
           <a:xfrm>
-            <a:off x="6084058" y="5539641"/>
+            <a:off x="6252736" y="5690567"/>
             <a:ext cx="1044240" cy="381376"/>
           </a:xfrm>
           <a:prstGeom prst="roundRect">
@@ -14605,7 +14443,7 @@
         </p:nvSpPr>
         <p:spPr>
           <a:xfrm>
-            <a:off x="6130087" y="5585670"/>
+            <a:off x="6298765" y="5736596"/>
             <a:ext cx="1044240" cy="381376"/>
           </a:xfrm>
           <a:prstGeom prst="roundRect">
@@ -14654,7 +14492,7 @@
         </p:nvSpPr>
         <p:spPr>
           <a:xfrm>
-            <a:off x="6176116" y="5631699"/>
+            <a:off x="6344794" y="5782625"/>
             <a:ext cx="1044240" cy="381376"/>
           </a:xfrm>
           <a:prstGeom prst="roundRect">
@@ -14689,12 +14527,56 @@
           </a:p>
         </p:txBody>
       </p:sp>
-      <p:sp>
-        <p:nvSpPr>
-          <p:cNvPr id="43" name="Rectangle: Rounded Corners 42">
+      <p:cxnSp>
+        <p:nvCxnSpPr>
+          <p:cNvPr id="44" name="Straight Connector 43">
             <a:extLst>
               <a:ext uri="{FF2B5EF4-FFF2-40B4-BE49-F238E27FC236}">
-                <a16:creationId xmlns:a16="http://schemas.microsoft.com/office/drawing/2014/main" id="{8DA9FA32-F5FC-4C6D-BC43-467FB445B532}"/>
+                <a16:creationId xmlns:a16="http://schemas.microsoft.com/office/drawing/2014/main" id="{E3FB3A99-C613-4994-B156-B23349C83DF1}"/>
+              </a:ext>
+            </a:extLst>
+          </p:cNvPr>
+          <p:cNvCxnSpPr>
+            <a:cxnSpLocks/>
+            <a:stCxn id="33" idx="2"/>
+          </p:cNvCxnSpPr>
+          <p:nvPr/>
+        </p:nvCxnSpPr>
+        <p:spPr>
+          <a:xfrm>
+            <a:off x="2219597" y="3164910"/>
+            <a:ext cx="1244718" cy="504142"/>
+          </a:xfrm>
+          <a:prstGeom prst="line">
+            <a:avLst/>
+          </a:prstGeom>
+          <a:ln w="25400">
+            <a:solidFill>
+              <a:schemeClr val="tx2"/>
+            </a:solidFill>
+          </a:ln>
+        </p:spPr>
+        <p:style>
+          <a:lnRef idx="1">
+            <a:schemeClr val="accent1"/>
+          </a:lnRef>
+          <a:fillRef idx="0">
+            <a:schemeClr val="accent1"/>
+          </a:fillRef>
+          <a:effectRef idx="0">
+            <a:schemeClr val="accent1"/>
+          </a:effectRef>
+          <a:fontRef idx="minor">
+            <a:schemeClr val="tx1"/>
+          </a:fontRef>
+        </p:style>
+      </p:cxnSp>
+      <p:sp>
+        <p:nvSpPr>
+          <p:cNvPr id="48" name="Rectangle: Rounded Corners 47">
+            <a:extLst>
+              <a:ext uri="{FF2B5EF4-FFF2-40B4-BE49-F238E27FC236}">
+                <a16:creationId xmlns:a16="http://schemas.microsoft.com/office/drawing/2014/main" id="{51DDB1FF-0FFB-4ED2-8170-9A5CBE006C91}"/>
               </a:ext>
             </a:extLst>
           </p:cNvPr>
@@ -14703,8 +14585,454 @@
         </p:nvSpPr>
         <p:spPr>
           <a:xfrm>
-            <a:off x="2992979" y="3669052"/>
-            <a:ext cx="942673" cy="477175"/>
+            <a:off x="7749327" y="3660012"/>
+            <a:ext cx="1004602" cy="477175"/>
+          </a:xfrm>
+          <a:prstGeom prst="roundRect">
+            <a:avLst/>
+          </a:prstGeom>
+        </p:spPr>
+        <p:style>
+          <a:lnRef idx="2">
+            <a:schemeClr val="accent4">
+              <a:shade val="50000"/>
+            </a:schemeClr>
+          </a:lnRef>
+          <a:fillRef idx="1">
+            <a:schemeClr val="accent4"/>
+          </a:fillRef>
+          <a:effectRef idx="0">
+            <a:schemeClr val="accent4"/>
+          </a:effectRef>
+          <a:fontRef idx="minor">
+            <a:schemeClr val="lt1"/>
+          </a:fontRef>
+        </p:style>
+        <p:txBody>
+          <a:bodyPr rtlCol="0" anchor="ctr"/>
+          <a:lstStyle/>
+          <a:p>
+            <a:pPr algn="ctr"/>
+            <a:r>
+              <a:rPr lang="en-GB" sz="725" b="1" dirty="0"/>
+              <a:t>Policy and Rules of Participation Oversight Committee</a:t>
+            </a:r>
+          </a:p>
+        </p:txBody>
+      </p:sp>
+      <p:cxnSp>
+        <p:nvCxnSpPr>
+          <p:cNvPr id="49" name="Straight Connector 48">
+            <a:extLst>
+              <a:ext uri="{FF2B5EF4-FFF2-40B4-BE49-F238E27FC236}">
+                <a16:creationId xmlns:a16="http://schemas.microsoft.com/office/drawing/2014/main" id="{282147E9-A0B9-405B-BB40-C7886C074600}"/>
+              </a:ext>
+            </a:extLst>
+          </p:cNvPr>
+          <p:cNvCxnSpPr>
+            <a:cxnSpLocks/>
+            <a:stCxn id="63" idx="2"/>
+            <a:endCxn id="48" idx="0"/>
+          </p:cNvCxnSpPr>
+          <p:nvPr/>
+        </p:nvCxnSpPr>
+        <p:spPr>
+          <a:xfrm>
+            <a:off x="6850844" y="2408444"/>
+            <a:ext cx="1400784" cy="1251568"/>
+          </a:xfrm>
+          <a:prstGeom prst="line">
+            <a:avLst/>
+          </a:prstGeom>
+          <a:ln w="25400">
+            <a:solidFill>
+              <a:schemeClr val="tx2"/>
+            </a:solidFill>
+          </a:ln>
+        </p:spPr>
+        <p:style>
+          <a:lnRef idx="1">
+            <a:schemeClr val="accent1"/>
+          </a:lnRef>
+          <a:fillRef idx="0">
+            <a:schemeClr val="accent1"/>
+          </a:fillRef>
+          <a:effectRef idx="0">
+            <a:schemeClr val="accent1"/>
+          </a:effectRef>
+          <a:fontRef idx="minor">
+            <a:schemeClr val="tx1"/>
+          </a:fontRef>
+        </p:style>
+      </p:cxnSp>
+      <p:cxnSp>
+        <p:nvCxnSpPr>
+          <p:cNvPr id="56" name="Straight Connector 55">
+            <a:extLst>
+              <a:ext uri="{FF2B5EF4-FFF2-40B4-BE49-F238E27FC236}">
+                <a16:creationId xmlns:a16="http://schemas.microsoft.com/office/drawing/2014/main" id="{4BAB1431-03A9-441C-B23A-D60D02F617E6}"/>
+              </a:ext>
+            </a:extLst>
+          </p:cNvPr>
+          <p:cNvCxnSpPr>
+            <a:cxnSpLocks/>
+          </p:cNvCxnSpPr>
+          <p:nvPr/>
+        </p:nvCxnSpPr>
+        <p:spPr>
+          <a:xfrm>
+            <a:off x="1841171" y="1681066"/>
+            <a:ext cx="0" cy="1115610"/>
+          </a:xfrm>
+          <a:prstGeom prst="line">
+            <a:avLst/>
+          </a:prstGeom>
+          <a:ln w="50800">
+            <a:solidFill>
+              <a:schemeClr val="tx2"/>
+            </a:solidFill>
+            <a:prstDash val="solid"/>
+          </a:ln>
+        </p:spPr>
+        <p:style>
+          <a:lnRef idx="1">
+            <a:schemeClr val="accent1"/>
+          </a:lnRef>
+          <a:fillRef idx="0">
+            <a:schemeClr val="accent1"/>
+          </a:fillRef>
+          <a:effectRef idx="0">
+            <a:schemeClr val="accent1"/>
+          </a:effectRef>
+          <a:fontRef idx="minor">
+            <a:schemeClr val="tx1"/>
+          </a:fontRef>
+        </p:style>
+      </p:cxnSp>
+      <p:sp>
+        <p:nvSpPr>
+          <p:cNvPr id="55" name="Arrow: Curved Up 54">
+            <a:extLst>
+              <a:ext uri="{FF2B5EF4-FFF2-40B4-BE49-F238E27FC236}">
+                <a16:creationId xmlns:a16="http://schemas.microsoft.com/office/drawing/2014/main" id="{7EC13F11-AAF2-423B-AE72-4F0484ABDE46}"/>
+              </a:ext>
+            </a:extLst>
+          </p:cNvPr>
+          <p:cNvSpPr/>
+          <p:nvPr/>
+        </p:nvSpPr>
+        <p:spPr>
+          <a:xfrm flipH="1">
+            <a:off x="3493077" y="4220496"/>
+            <a:ext cx="4758547" cy="504325"/>
+          </a:xfrm>
+          <a:prstGeom prst="curvedUpArrow">
+            <a:avLst/>
+          </a:prstGeom>
+        </p:spPr>
+        <p:style>
+          <a:lnRef idx="2">
+            <a:schemeClr val="accent3">
+              <a:shade val="50000"/>
+            </a:schemeClr>
+          </a:lnRef>
+          <a:fillRef idx="1">
+            <a:schemeClr val="accent3"/>
+          </a:fillRef>
+          <a:effectRef idx="0">
+            <a:schemeClr val="accent3"/>
+          </a:effectRef>
+          <a:fontRef idx="minor">
+            <a:schemeClr val="lt1"/>
+          </a:fontRef>
+        </p:style>
+        <p:txBody>
+          <a:bodyPr rtlCol="0" anchor="ctr"/>
+          <a:lstStyle/>
+          <a:p>
+            <a:pPr algn="ctr"/>
+            <a:endParaRPr lang="en-GB" sz="725" dirty="0">
+              <a:solidFill>
+                <a:schemeClr val="tx1"/>
+              </a:solidFill>
+            </a:endParaRPr>
+          </a:p>
+          <a:p>
+            <a:pPr algn="ctr"/>
+            <a:endParaRPr lang="en-GB" sz="725" dirty="0">
+              <a:solidFill>
+                <a:schemeClr val="tx1"/>
+              </a:solidFill>
+            </a:endParaRPr>
+          </a:p>
+          <a:p>
+            <a:pPr algn="ctr"/>
+            <a:r>
+              <a:rPr lang="en-GB" sz="725" dirty="0">
+                <a:solidFill>
+                  <a:schemeClr val="tx1"/>
+                </a:solidFill>
+              </a:rPr>
+              <a:t>Policy and Rules of Participation Recommendations</a:t>
+            </a:r>
+          </a:p>
+        </p:txBody>
+      </p:sp>
+      <p:sp>
+        <p:nvSpPr>
+          <p:cNvPr id="75" name="Rectangle: Rounded Corners 74">
+            <a:extLst>
+              <a:ext uri="{FF2B5EF4-FFF2-40B4-BE49-F238E27FC236}">
+                <a16:creationId xmlns:a16="http://schemas.microsoft.com/office/drawing/2014/main" id="{CB0408A9-B8ED-4E54-AC27-07947D610A80}"/>
+              </a:ext>
+            </a:extLst>
+          </p:cNvPr>
+          <p:cNvSpPr/>
+          <p:nvPr/>
+        </p:nvSpPr>
+        <p:spPr>
+          <a:xfrm>
+            <a:off x="7700536" y="4723530"/>
+            <a:ext cx="1126916" cy="600889"/>
+          </a:xfrm>
+          <a:prstGeom prst="roundRect">
+            <a:avLst/>
+          </a:prstGeom>
+        </p:spPr>
+        <p:style>
+          <a:lnRef idx="2">
+            <a:schemeClr val="accent4">
+              <a:shade val="50000"/>
+            </a:schemeClr>
+          </a:lnRef>
+          <a:fillRef idx="1">
+            <a:schemeClr val="accent4"/>
+          </a:fillRef>
+          <a:effectRef idx="0">
+            <a:schemeClr val="accent4"/>
+          </a:effectRef>
+          <a:fontRef idx="minor">
+            <a:schemeClr val="lt1"/>
+          </a:fontRef>
+        </p:style>
+        <p:txBody>
+          <a:bodyPr rtlCol="0" anchor="ctr"/>
+          <a:lstStyle/>
+          <a:p>
+            <a:pPr algn="ctr"/>
+            <a:r>
+              <a:rPr lang="en-GB" sz="604" b="1" dirty="0"/>
+              <a:t>Research Discipline  Policy Sub-Committees</a:t>
+            </a:r>
+          </a:p>
+        </p:txBody>
+      </p:sp>
+      <p:sp>
+        <p:nvSpPr>
+          <p:cNvPr id="81" name="Rectangle: Rounded Corners 80">
+            <a:extLst>
+              <a:ext uri="{FF2B5EF4-FFF2-40B4-BE49-F238E27FC236}">
+                <a16:creationId xmlns:a16="http://schemas.microsoft.com/office/drawing/2014/main" id="{6882063A-1762-4C41-96EB-9B2210CD2A30}"/>
+              </a:ext>
+            </a:extLst>
+          </p:cNvPr>
+          <p:cNvSpPr/>
+          <p:nvPr/>
+        </p:nvSpPr>
+        <p:spPr>
+          <a:xfrm>
+            <a:off x="7746566" y="4769559"/>
+            <a:ext cx="1126916" cy="600889"/>
+          </a:xfrm>
+          <a:prstGeom prst="roundRect">
+            <a:avLst/>
+          </a:prstGeom>
+        </p:spPr>
+        <p:style>
+          <a:lnRef idx="2">
+            <a:schemeClr val="accent4">
+              <a:shade val="50000"/>
+            </a:schemeClr>
+          </a:lnRef>
+          <a:fillRef idx="1">
+            <a:schemeClr val="accent4"/>
+          </a:fillRef>
+          <a:effectRef idx="0">
+            <a:schemeClr val="accent4"/>
+          </a:effectRef>
+          <a:fontRef idx="minor">
+            <a:schemeClr val="lt1"/>
+          </a:fontRef>
+        </p:style>
+        <p:txBody>
+          <a:bodyPr rtlCol="0" anchor="ctr"/>
+          <a:lstStyle/>
+          <a:p>
+            <a:pPr algn="ctr"/>
+            <a:r>
+              <a:rPr lang="en-GB" sz="604" b="1" dirty="0"/>
+              <a:t>Research Discipline  Policy Sub-Committees</a:t>
+            </a:r>
+          </a:p>
+        </p:txBody>
+      </p:sp>
+      <p:sp>
+        <p:nvSpPr>
+          <p:cNvPr id="82" name="Rectangle: Rounded Corners 81">
+            <a:extLst>
+              <a:ext uri="{FF2B5EF4-FFF2-40B4-BE49-F238E27FC236}">
+                <a16:creationId xmlns:a16="http://schemas.microsoft.com/office/drawing/2014/main" id="{9577A198-0E3B-4D56-A149-50616FA5FD51}"/>
+              </a:ext>
+            </a:extLst>
+          </p:cNvPr>
+          <p:cNvSpPr/>
+          <p:nvPr/>
+        </p:nvSpPr>
+        <p:spPr>
+          <a:xfrm>
+            <a:off x="7792595" y="4815588"/>
+            <a:ext cx="1126916" cy="600889"/>
+          </a:xfrm>
+          <a:prstGeom prst="roundRect">
+            <a:avLst/>
+          </a:prstGeom>
+        </p:spPr>
+        <p:style>
+          <a:lnRef idx="2">
+            <a:schemeClr val="accent4">
+              <a:shade val="50000"/>
+            </a:schemeClr>
+          </a:lnRef>
+          <a:fillRef idx="1">
+            <a:schemeClr val="accent4"/>
+          </a:fillRef>
+          <a:effectRef idx="0">
+            <a:schemeClr val="accent4"/>
+          </a:effectRef>
+          <a:fontRef idx="minor">
+            <a:schemeClr val="lt1"/>
+          </a:fontRef>
+        </p:style>
+        <p:txBody>
+          <a:bodyPr rtlCol="0" anchor="ctr"/>
+          <a:lstStyle/>
+          <a:p>
+            <a:pPr algn="ctr"/>
+            <a:r>
+              <a:rPr lang="en-GB" sz="604" b="1" dirty="0"/>
+              <a:t>Research Discipline  Policy Sub-Committees</a:t>
+            </a:r>
+          </a:p>
+        </p:txBody>
+      </p:sp>
+      <p:sp>
+        <p:nvSpPr>
+          <p:cNvPr id="84" name="Rectangle: Rounded Corners 83">
+            <a:extLst>
+              <a:ext uri="{FF2B5EF4-FFF2-40B4-BE49-F238E27FC236}">
+                <a16:creationId xmlns:a16="http://schemas.microsoft.com/office/drawing/2014/main" id="{E4572CB8-A42F-46BC-B719-CFB0338A1896}"/>
+              </a:ext>
+            </a:extLst>
+          </p:cNvPr>
+          <p:cNvSpPr/>
+          <p:nvPr/>
+        </p:nvSpPr>
+        <p:spPr>
+          <a:xfrm>
+            <a:off x="7838624" y="4861618"/>
+            <a:ext cx="1126916" cy="600889"/>
+          </a:xfrm>
+          <a:prstGeom prst="roundRect">
+            <a:avLst/>
+          </a:prstGeom>
+        </p:spPr>
+        <p:style>
+          <a:lnRef idx="2">
+            <a:schemeClr val="accent4">
+              <a:shade val="50000"/>
+            </a:schemeClr>
+          </a:lnRef>
+          <a:fillRef idx="1">
+            <a:schemeClr val="accent4"/>
+          </a:fillRef>
+          <a:effectRef idx="0">
+            <a:schemeClr val="accent4"/>
+          </a:effectRef>
+          <a:fontRef idx="minor">
+            <a:schemeClr val="lt1"/>
+          </a:fontRef>
+        </p:style>
+        <p:txBody>
+          <a:bodyPr rtlCol="0" anchor="ctr"/>
+          <a:lstStyle/>
+          <a:p>
+            <a:pPr algn="ctr"/>
+            <a:r>
+              <a:rPr lang="en-GB" sz="725" b="1" dirty="0"/>
+              <a:t>Research Discipline  Policy Sub-Committees</a:t>
+            </a:r>
+          </a:p>
+        </p:txBody>
+      </p:sp>
+      <p:cxnSp>
+        <p:nvCxnSpPr>
+          <p:cNvPr id="85" name="Straight Connector 84">
+            <a:extLst>
+              <a:ext uri="{FF2B5EF4-FFF2-40B4-BE49-F238E27FC236}">
+                <a16:creationId xmlns:a16="http://schemas.microsoft.com/office/drawing/2014/main" id="{9ED93F86-B850-433A-9C60-0F6E2BCDF406}"/>
+              </a:ext>
+            </a:extLst>
+          </p:cNvPr>
+          <p:cNvCxnSpPr>
+            <a:cxnSpLocks/>
+          </p:cNvCxnSpPr>
+          <p:nvPr/>
+        </p:nvCxnSpPr>
+        <p:spPr>
+          <a:xfrm>
+            <a:off x="8264660" y="4170670"/>
+            <a:ext cx="64143" cy="587578"/>
+          </a:xfrm>
+          <a:prstGeom prst="line">
+            <a:avLst/>
+          </a:prstGeom>
+          <a:ln w="25400">
+            <a:solidFill>
+              <a:schemeClr val="tx2"/>
+            </a:solidFill>
+          </a:ln>
+        </p:spPr>
+        <p:style>
+          <a:lnRef idx="1">
+            <a:schemeClr val="accent1"/>
+          </a:lnRef>
+          <a:fillRef idx="0">
+            <a:schemeClr val="accent1"/>
+          </a:fillRef>
+          <a:effectRef idx="0">
+            <a:schemeClr val="accent1"/>
+          </a:effectRef>
+          <a:fontRef idx="minor">
+            <a:schemeClr val="tx1"/>
+          </a:fontRef>
+        </p:style>
+      </p:cxnSp>
+      <p:sp>
+        <p:nvSpPr>
+          <p:cNvPr id="91" name="Rectangle: Rounded Corners 90">
+            <a:extLst>
+              <a:ext uri="{FF2B5EF4-FFF2-40B4-BE49-F238E27FC236}">
+                <a16:creationId xmlns:a16="http://schemas.microsoft.com/office/drawing/2014/main" id="{CD649A38-6552-4642-B5CB-8CCA2A04DB8C}"/>
+              </a:ext>
+            </a:extLst>
+          </p:cNvPr>
+          <p:cNvSpPr/>
+          <p:nvPr/>
+        </p:nvSpPr>
+        <p:spPr>
+          <a:xfrm>
+            <a:off x="380595" y="3650776"/>
+            <a:ext cx="942673" cy="832447"/>
           </a:xfrm>
           <a:prstGeom prst="roundRect">
             <a:avLst/>
@@ -14732,63 +15060,25 @@
           <a:p>
             <a:pPr algn="ctr"/>
             <a:r>
-              <a:rPr lang="en-GB" sz="604" b="1" dirty="0"/>
-              <a:t>Policy Alignment Steering Committee</a:t>
-            </a:r>
-          </a:p>
-        </p:txBody>
-      </p:sp>
-      <p:cxnSp>
-        <p:nvCxnSpPr>
-          <p:cNvPr id="44" name="Straight Connector 43">
+              <a:rPr lang="en-GB" sz="725" b="1" dirty="0"/>
+              <a:t>EOSC System Steering Committee</a:t>
+            </a:r>
+          </a:p>
+          <a:p>
+            <a:pPr algn="ctr"/>
+            <a:r>
+              <a:rPr lang="en-GB" sz="725" dirty="0"/>
+              <a:t>[EOSC System Owners: sets the key goals and directions]</a:t>
+            </a:r>
+          </a:p>
+        </p:txBody>
+      </p:sp>
+      <p:sp>
+        <p:nvSpPr>
+          <p:cNvPr id="92" name="Rectangle: Rounded Corners 91">
             <a:extLst>
               <a:ext uri="{FF2B5EF4-FFF2-40B4-BE49-F238E27FC236}">
-                <a16:creationId xmlns:a16="http://schemas.microsoft.com/office/drawing/2014/main" id="{E3FB3A99-C613-4994-B156-B23349C83DF1}"/>
-              </a:ext>
-            </a:extLst>
-          </p:cNvPr>
-          <p:cNvCxnSpPr>
-            <a:cxnSpLocks/>
-            <a:stCxn id="33" idx="2"/>
-            <a:endCxn id="43" idx="0"/>
-          </p:cNvCxnSpPr>
-          <p:nvPr/>
-        </p:nvCxnSpPr>
-        <p:spPr>
-          <a:xfrm>
-            <a:off x="2219597" y="3164910"/>
-            <a:ext cx="1244718" cy="504142"/>
-          </a:xfrm>
-          <a:prstGeom prst="line">
-            <a:avLst/>
-          </a:prstGeom>
-          <a:ln w="25400">
-            <a:solidFill>
-              <a:schemeClr val="tx2"/>
-            </a:solidFill>
-          </a:ln>
-        </p:spPr>
-        <p:style>
-          <a:lnRef idx="1">
-            <a:schemeClr val="accent1"/>
-          </a:lnRef>
-          <a:fillRef idx="0">
-            <a:schemeClr val="accent1"/>
-          </a:fillRef>
-          <a:effectRef idx="0">
-            <a:schemeClr val="accent1"/>
-          </a:effectRef>
-          <a:fontRef idx="minor">
-            <a:schemeClr val="tx1"/>
-          </a:fontRef>
-        </p:style>
-      </p:cxnSp>
-      <p:sp>
-        <p:nvSpPr>
-          <p:cNvPr id="48" name="Rectangle: Rounded Corners 47">
-            <a:extLst>
-              <a:ext uri="{FF2B5EF4-FFF2-40B4-BE49-F238E27FC236}">
-                <a16:creationId xmlns:a16="http://schemas.microsoft.com/office/drawing/2014/main" id="{51DDB1FF-0FFB-4ED2-8170-9A5CBE006C91}"/>
+                <a16:creationId xmlns:a16="http://schemas.microsoft.com/office/drawing/2014/main" id="{726A8855-CA3B-4865-8D0A-CA42BE67E6BD}"/>
               </a:ext>
             </a:extLst>
           </p:cNvPr>
@@ -14797,8 +15087,162 @@
         </p:nvSpPr>
         <p:spPr>
           <a:xfrm>
-            <a:off x="7749327" y="3660012"/>
-            <a:ext cx="1004602" cy="477175"/>
+            <a:off x="364984" y="4674860"/>
+            <a:ext cx="942673" cy="511564"/>
+          </a:xfrm>
+          <a:prstGeom prst="roundRect">
+            <a:avLst/>
+          </a:prstGeom>
+        </p:spPr>
+        <p:style>
+          <a:lnRef idx="2">
+            <a:schemeClr val="accent5">
+              <a:shade val="50000"/>
+            </a:schemeClr>
+          </a:lnRef>
+          <a:fillRef idx="1">
+            <a:schemeClr val="accent5"/>
+          </a:fillRef>
+          <a:effectRef idx="0">
+            <a:schemeClr val="accent5"/>
+          </a:effectRef>
+          <a:fontRef idx="minor">
+            <a:schemeClr val="lt1"/>
+          </a:fontRef>
+        </p:style>
+        <p:txBody>
+          <a:bodyPr rtlCol="0" anchor="ctr"/>
+          <a:lstStyle/>
+          <a:p>
+            <a:pPr algn="ctr"/>
+            <a:r>
+              <a:rPr lang="en-GB" sz="725" b="1" dirty="0"/>
+              <a:t>EOSC Service Portfolio Management Committee</a:t>
+            </a:r>
+          </a:p>
+        </p:txBody>
+      </p:sp>
+      <p:sp>
+        <p:nvSpPr>
+          <p:cNvPr id="93" name="Rectangle: Rounded Corners 92">
+            <a:extLst>
+              <a:ext uri="{FF2B5EF4-FFF2-40B4-BE49-F238E27FC236}">
+                <a16:creationId xmlns:a16="http://schemas.microsoft.com/office/drawing/2014/main" id="{0ECABEF3-88FC-403C-87A4-0D72D57B9DF9}"/>
+              </a:ext>
+            </a:extLst>
+          </p:cNvPr>
+          <p:cNvSpPr/>
+          <p:nvPr/>
+        </p:nvSpPr>
+        <p:spPr>
+          <a:xfrm>
+            <a:off x="368911" y="5327726"/>
+            <a:ext cx="942673" cy="728248"/>
+          </a:xfrm>
+          <a:prstGeom prst="roundRect">
+            <a:avLst/>
+          </a:prstGeom>
+        </p:spPr>
+        <p:style>
+          <a:lnRef idx="2">
+            <a:schemeClr val="accent5">
+              <a:shade val="50000"/>
+            </a:schemeClr>
+          </a:lnRef>
+          <a:fillRef idx="1">
+            <a:schemeClr val="accent5"/>
+          </a:fillRef>
+          <a:effectRef idx="0">
+            <a:schemeClr val="accent5"/>
+          </a:effectRef>
+          <a:fontRef idx="minor">
+            <a:schemeClr val="lt1"/>
+          </a:fontRef>
+        </p:style>
+        <p:txBody>
+          <a:bodyPr rtlCol="0" anchor="ctr"/>
+          <a:lstStyle/>
+          <a:p>
+            <a:pPr algn="ctr"/>
+            <a:r>
+              <a:rPr lang="en-GB" sz="604" b="1" dirty="0"/>
+              <a:t>EOSC System Executive Committee</a:t>
+            </a:r>
+          </a:p>
+          <a:p>
+            <a:pPr algn="ctr"/>
+            <a:r>
+              <a:rPr lang="en-GB" sz="604" dirty="0"/>
+              <a:t>[EOSC Top Managers: guaranteeing that the EOSC System is behaving according to the goal and directions]</a:t>
+            </a:r>
+          </a:p>
+        </p:txBody>
+      </p:sp>
+      <p:sp>
+        <p:nvSpPr>
+          <p:cNvPr id="94" name="Rectangle: Rounded Corners 93">
+            <a:extLst>
+              <a:ext uri="{FF2B5EF4-FFF2-40B4-BE49-F238E27FC236}">
+                <a16:creationId xmlns:a16="http://schemas.microsoft.com/office/drawing/2014/main" id="{984A01D0-8BE6-4A61-BD0B-9551FF53E31E}"/>
+              </a:ext>
+            </a:extLst>
+          </p:cNvPr>
+          <p:cNvSpPr/>
+          <p:nvPr/>
+        </p:nvSpPr>
+        <p:spPr>
+          <a:xfrm>
+            <a:off x="631319" y="2784171"/>
+            <a:ext cx="3176557" cy="368234"/>
+          </a:xfrm>
+          <a:prstGeom prst="roundRect">
+            <a:avLst/>
+          </a:prstGeom>
+        </p:spPr>
+        <p:style>
+          <a:lnRef idx="2">
+            <a:schemeClr val="accent5">
+              <a:shade val="50000"/>
+            </a:schemeClr>
+          </a:lnRef>
+          <a:fillRef idx="1">
+            <a:schemeClr val="accent5"/>
+          </a:fillRef>
+          <a:effectRef idx="0">
+            <a:schemeClr val="accent5"/>
+          </a:effectRef>
+          <a:fontRef idx="minor">
+            <a:schemeClr val="lt1"/>
+          </a:fontRef>
+        </p:style>
+        <p:txBody>
+          <a:bodyPr rtlCol="0" anchor="ctr"/>
+          <a:lstStyle/>
+          <a:p>
+            <a:pPr algn="ctr"/>
+            <a:r>
+              <a:rPr lang="en-GB" sz="966" b="1" dirty="0"/>
+              <a:t>Executive Board</a:t>
+            </a:r>
+          </a:p>
+        </p:txBody>
+      </p:sp>
+      <p:sp>
+        <p:nvSpPr>
+          <p:cNvPr id="96" name="Rectangle: Rounded Corners 95">
+            <a:extLst>
+              <a:ext uri="{FF2B5EF4-FFF2-40B4-BE49-F238E27FC236}">
+                <a16:creationId xmlns:a16="http://schemas.microsoft.com/office/drawing/2014/main" id="{DEA97871-5524-4738-BB2D-44940FB17897}"/>
+              </a:ext>
+            </a:extLst>
+          </p:cNvPr>
+          <p:cNvSpPr/>
+          <p:nvPr/>
+        </p:nvSpPr>
+        <p:spPr>
+          <a:xfrm>
+            <a:off x="4913172" y="3646259"/>
+            <a:ext cx="1274804" cy="477175"/>
           </a:xfrm>
           <a:prstGeom prst="roundRect">
             <a:avLst/>
@@ -14827,62 +15271,24 @@
             <a:pPr algn="ctr"/>
             <a:r>
               <a:rPr lang="en-GB" sz="725" b="1" dirty="0"/>
-              <a:t>Policy and Rules of Participation Oversight Committee</a:t>
-            </a:r>
-          </a:p>
-        </p:txBody>
-      </p:sp>
-      <p:cxnSp>
-        <p:nvCxnSpPr>
-          <p:cNvPr id="49" name="Straight Connector 48">
+              <a:t>EOSC Technical Oversight Committee</a:t>
+            </a:r>
+          </a:p>
+          <a:p>
+            <a:pPr algn="ctr"/>
+            <a:r>
+              <a:rPr lang="en-GB" sz="725" b="1" dirty="0"/>
+              <a:t>[define and monitor agreed quality measures]</a:t>
+            </a:r>
+          </a:p>
+        </p:txBody>
+      </p:sp>
+      <p:sp>
+        <p:nvSpPr>
+          <p:cNvPr id="97" name="Rectangle: Rounded Corners 96">
             <a:extLst>
               <a:ext uri="{FF2B5EF4-FFF2-40B4-BE49-F238E27FC236}">
-                <a16:creationId xmlns:a16="http://schemas.microsoft.com/office/drawing/2014/main" id="{282147E9-A0B9-405B-BB40-C7886C074600}"/>
-              </a:ext>
-            </a:extLst>
-          </p:cNvPr>
-          <p:cNvCxnSpPr>
-            <a:cxnSpLocks/>
-            <a:stCxn id="63" idx="2"/>
-            <a:endCxn id="48" idx="0"/>
-          </p:cNvCxnSpPr>
-          <p:nvPr/>
-        </p:nvCxnSpPr>
-        <p:spPr>
-          <a:xfrm>
-            <a:off x="6850844" y="2408444"/>
-            <a:ext cx="1400784" cy="1251568"/>
-          </a:xfrm>
-          <a:prstGeom prst="line">
-            <a:avLst/>
-          </a:prstGeom>
-          <a:ln w="25400">
-            <a:solidFill>
-              <a:schemeClr val="tx2"/>
-            </a:solidFill>
-          </a:ln>
-        </p:spPr>
-        <p:style>
-          <a:lnRef idx="1">
-            <a:schemeClr val="accent1"/>
-          </a:lnRef>
-          <a:fillRef idx="0">
-            <a:schemeClr val="accent1"/>
-          </a:fillRef>
-          <a:effectRef idx="0">
-            <a:schemeClr val="accent1"/>
-          </a:effectRef>
-          <a:fontRef idx="minor">
-            <a:schemeClr val="tx1"/>
-          </a:fontRef>
-        </p:style>
-      </p:cxnSp>
-      <p:sp>
-        <p:nvSpPr>
-          <p:cNvPr id="55" name="Arrow: Curved Up 54">
-            <a:extLst>
-              <a:ext uri="{FF2B5EF4-FFF2-40B4-BE49-F238E27FC236}">
-                <a16:creationId xmlns:a16="http://schemas.microsoft.com/office/drawing/2014/main" id="{7EC13F11-AAF2-423B-AE72-4F0484ABDE46}"/>
+                <a16:creationId xmlns:a16="http://schemas.microsoft.com/office/drawing/2014/main" id="{886595BB-96E1-4B18-B8FD-36CBF24B0AEE}"/>
               </a:ext>
             </a:extLst>
           </p:cNvPr>
@@ -14890,9 +15296,555 @@
           <p:nvPr/>
         </p:nvSpPr>
         <p:spPr>
-          <a:xfrm flipH="1">
-            <a:off x="2198227" y="4220496"/>
-            <a:ext cx="6053400" cy="475403"/>
+          <a:xfrm>
+            <a:off x="5051259" y="4828400"/>
+            <a:ext cx="1126916" cy="827361"/>
+          </a:xfrm>
+          <a:prstGeom prst="roundRect">
+            <a:avLst/>
+          </a:prstGeom>
+        </p:spPr>
+        <p:style>
+          <a:lnRef idx="2">
+            <a:schemeClr val="accent4">
+              <a:shade val="50000"/>
+            </a:schemeClr>
+          </a:lnRef>
+          <a:fillRef idx="1">
+            <a:schemeClr val="accent4"/>
+          </a:fillRef>
+          <a:effectRef idx="0">
+            <a:schemeClr val="accent4"/>
+          </a:effectRef>
+          <a:fontRef idx="minor">
+            <a:schemeClr val="lt1"/>
+          </a:fontRef>
+        </p:style>
+        <p:txBody>
+          <a:bodyPr rtlCol="0" anchor="ctr"/>
+          <a:lstStyle/>
+          <a:p>
+            <a:pPr algn="ctr"/>
+            <a:r>
+              <a:rPr lang="en-GB" sz="725" b="1" dirty="0"/>
+              <a:t>EOSC Research Discipline Technical Sub-Committees</a:t>
+            </a:r>
+          </a:p>
+          <a:p>
+            <a:pPr algn="ctr"/>
+            <a:r>
+              <a:rPr lang="en-GB" sz="725" b="1" dirty="0"/>
+              <a:t>[define and monitor quality measures on behalf of research communities]</a:t>
+            </a:r>
+          </a:p>
+        </p:txBody>
+      </p:sp>
+      <p:sp>
+        <p:nvSpPr>
+          <p:cNvPr id="98" name="Rectangle: Rounded Corners 97">
+            <a:extLst>
+              <a:ext uri="{FF2B5EF4-FFF2-40B4-BE49-F238E27FC236}">
+                <a16:creationId xmlns:a16="http://schemas.microsoft.com/office/drawing/2014/main" id="{2C10B8FF-50B0-4288-BBCD-B3B800DAD0BE}"/>
+              </a:ext>
+            </a:extLst>
+          </p:cNvPr>
+          <p:cNvSpPr/>
+          <p:nvPr/>
+        </p:nvSpPr>
+        <p:spPr>
+          <a:xfrm>
+            <a:off x="6522555" y="4849113"/>
+            <a:ext cx="1126916" cy="600889"/>
+          </a:xfrm>
+          <a:prstGeom prst="roundRect">
+            <a:avLst/>
+          </a:prstGeom>
+        </p:spPr>
+        <p:style>
+          <a:lnRef idx="2">
+            <a:schemeClr val="accent4">
+              <a:shade val="50000"/>
+            </a:schemeClr>
+          </a:lnRef>
+          <a:fillRef idx="1">
+            <a:schemeClr val="accent4"/>
+          </a:fillRef>
+          <a:effectRef idx="0">
+            <a:schemeClr val="accent4"/>
+          </a:effectRef>
+          <a:fontRef idx="minor">
+            <a:schemeClr val="lt1"/>
+          </a:fontRef>
+        </p:style>
+        <p:txBody>
+          <a:bodyPr rtlCol="0" anchor="ctr"/>
+          <a:lstStyle/>
+          <a:p>
+            <a:pPr algn="ctr"/>
+            <a:r>
+              <a:rPr lang="en-GB" sz="725" b="1" dirty="0"/>
+              <a:t>EOSC Research Discipline Demand  Panels</a:t>
+            </a:r>
+          </a:p>
+        </p:txBody>
+      </p:sp>
+      <p:sp>
+        <p:nvSpPr>
+          <p:cNvPr id="99" name="Rectangle: Rounded Corners 98">
+            <a:extLst>
+              <a:ext uri="{FF2B5EF4-FFF2-40B4-BE49-F238E27FC236}">
+                <a16:creationId xmlns:a16="http://schemas.microsoft.com/office/drawing/2014/main" id="{65853B53-8FAC-4EBC-9934-337121E8834E}"/>
+              </a:ext>
+            </a:extLst>
+          </p:cNvPr>
+          <p:cNvSpPr/>
+          <p:nvPr/>
+        </p:nvSpPr>
+        <p:spPr>
+          <a:xfrm>
+            <a:off x="5162466" y="5768840"/>
+            <a:ext cx="1044240" cy="381376"/>
+          </a:xfrm>
+          <a:prstGeom prst="roundRect">
+            <a:avLst/>
+          </a:prstGeom>
+        </p:spPr>
+        <p:style>
+          <a:lnRef idx="2">
+            <a:schemeClr val="accent4">
+              <a:shade val="50000"/>
+            </a:schemeClr>
+          </a:lnRef>
+          <a:fillRef idx="1">
+            <a:schemeClr val="accent4"/>
+          </a:fillRef>
+          <a:effectRef idx="0">
+            <a:schemeClr val="accent4"/>
+          </a:effectRef>
+          <a:fontRef idx="minor">
+            <a:schemeClr val="lt1"/>
+          </a:fontRef>
+        </p:style>
+        <p:txBody>
+          <a:bodyPr rtlCol="0" anchor="ctr"/>
+          <a:lstStyle/>
+          <a:p>
+            <a:pPr algn="ctr"/>
+            <a:r>
+              <a:rPr lang="en-GB" sz="725" b="1" dirty="0"/>
+              <a:t>Technical Working Groups</a:t>
+            </a:r>
+          </a:p>
+        </p:txBody>
+      </p:sp>
+      <p:sp>
+        <p:nvSpPr>
+          <p:cNvPr id="101" name="Rectangle: Rounded Corners 100">
+            <a:extLst>
+              <a:ext uri="{FF2B5EF4-FFF2-40B4-BE49-F238E27FC236}">
+                <a16:creationId xmlns:a16="http://schemas.microsoft.com/office/drawing/2014/main" id="{308F45AC-305B-44BE-A2E6-8009FBA42D22}"/>
+              </a:ext>
+            </a:extLst>
+          </p:cNvPr>
+          <p:cNvSpPr/>
+          <p:nvPr/>
+        </p:nvSpPr>
+        <p:spPr>
+          <a:xfrm>
+            <a:off x="6344794" y="5770120"/>
+            <a:ext cx="1044240" cy="381376"/>
+          </a:xfrm>
+          <a:prstGeom prst="roundRect">
+            <a:avLst/>
+          </a:prstGeom>
+        </p:spPr>
+        <p:style>
+          <a:lnRef idx="2">
+            <a:schemeClr val="accent4">
+              <a:shade val="50000"/>
+            </a:schemeClr>
+          </a:lnRef>
+          <a:fillRef idx="1">
+            <a:schemeClr val="accent4"/>
+          </a:fillRef>
+          <a:effectRef idx="0">
+            <a:schemeClr val="accent4"/>
+          </a:effectRef>
+          <a:fontRef idx="minor">
+            <a:schemeClr val="lt1"/>
+          </a:fontRef>
+        </p:style>
+        <p:txBody>
+          <a:bodyPr rtlCol="0" anchor="ctr"/>
+          <a:lstStyle/>
+          <a:p>
+            <a:pPr algn="ctr"/>
+            <a:r>
+              <a:rPr lang="en-GB" sz="725" b="1" dirty="0"/>
+              <a:t>Research Community Working Groups</a:t>
+            </a:r>
+          </a:p>
+        </p:txBody>
+      </p:sp>
+      <p:sp>
+        <p:nvSpPr>
+          <p:cNvPr id="65" name="Rectangle: Rounded Corners 64">
+            <a:extLst>
+              <a:ext uri="{FF2B5EF4-FFF2-40B4-BE49-F238E27FC236}">
+                <a16:creationId xmlns:a16="http://schemas.microsoft.com/office/drawing/2014/main" id="{1B74466D-2D63-458A-82C7-866A1E5A7553}"/>
+              </a:ext>
+            </a:extLst>
+          </p:cNvPr>
+          <p:cNvSpPr/>
+          <p:nvPr/>
+        </p:nvSpPr>
+        <p:spPr>
+          <a:xfrm>
+            <a:off x="7550355" y="5709804"/>
+            <a:ext cx="1044240" cy="381376"/>
+          </a:xfrm>
+          <a:prstGeom prst="roundRect">
+            <a:avLst/>
+          </a:prstGeom>
+        </p:spPr>
+        <p:style>
+          <a:lnRef idx="2">
+            <a:schemeClr val="accent4">
+              <a:shade val="50000"/>
+            </a:schemeClr>
+          </a:lnRef>
+          <a:fillRef idx="1">
+            <a:schemeClr val="accent4"/>
+          </a:fillRef>
+          <a:effectRef idx="0">
+            <a:schemeClr val="accent4"/>
+          </a:effectRef>
+          <a:fontRef idx="minor">
+            <a:schemeClr val="lt1"/>
+          </a:fontRef>
+        </p:style>
+        <p:txBody>
+          <a:bodyPr rtlCol="0" anchor="ctr"/>
+          <a:lstStyle/>
+          <a:p>
+            <a:pPr algn="ctr"/>
+            <a:r>
+              <a:rPr lang="en-GB" sz="604" b="1" dirty="0"/>
+              <a:t>Research Community Working Groups</a:t>
+            </a:r>
+          </a:p>
+        </p:txBody>
+      </p:sp>
+      <p:sp>
+        <p:nvSpPr>
+          <p:cNvPr id="66" name="Rectangle: Rounded Corners 65">
+            <a:extLst>
+              <a:ext uri="{FF2B5EF4-FFF2-40B4-BE49-F238E27FC236}">
+                <a16:creationId xmlns:a16="http://schemas.microsoft.com/office/drawing/2014/main" id="{CEFEA874-9C64-4246-B05B-BDDE4217AB6B}"/>
+              </a:ext>
+            </a:extLst>
+          </p:cNvPr>
+          <p:cNvSpPr/>
+          <p:nvPr/>
+        </p:nvSpPr>
+        <p:spPr>
+          <a:xfrm>
+            <a:off x="7596384" y="5755833"/>
+            <a:ext cx="1044240" cy="381376"/>
+          </a:xfrm>
+          <a:prstGeom prst="roundRect">
+            <a:avLst/>
+          </a:prstGeom>
+        </p:spPr>
+        <p:style>
+          <a:lnRef idx="2">
+            <a:schemeClr val="accent4">
+              <a:shade val="50000"/>
+            </a:schemeClr>
+          </a:lnRef>
+          <a:fillRef idx="1">
+            <a:schemeClr val="accent4"/>
+          </a:fillRef>
+          <a:effectRef idx="0">
+            <a:schemeClr val="accent4"/>
+          </a:effectRef>
+          <a:fontRef idx="minor">
+            <a:schemeClr val="lt1"/>
+          </a:fontRef>
+        </p:style>
+        <p:txBody>
+          <a:bodyPr rtlCol="0" anchor="ctr"/>
+          <a:lstStyle/>
+          <a:p>
+            <a:pPr algn="ctr"/>
+            <a:r>
+              <a:rPr lang="en-GB" sz="604" b="1" dirty="0"/>
+              <a:t>Research Community Working Groups</a:t>
+            </a:r>
+          </a:p>
+        </p:txBody>
+      </p:sp>
+      <p:sp>
+        <p:nvSpPr>
+          <p:cNvPr id="67" name="Rectangle: Rounded Corners 66">
+            <a:extLst>
+              <a:ext uri="{FF2B5EF4-FFF2-40B4-BE49-F238E27FC236}">
+                <a16:creationId xmlns:a16="http://schemas.microsoft.com/office/drawing/2014/main" id="{1EE657EC-AC34-4471-A3C0-E8596F56BFCE}"/>
+              </a:ext>
+            </a:extLst>
+          </p:cNvPr>
+          <p:cNvSpPr/>
+          <p:nvPr/>
+        </p:nvSpPr>
+        <p:spPr>
+          <a:xfrm>
+            <a:off x="7642413" y="5789357"/>
+            <a:ext cx="1044240" cy="381376"/>
+          </a:xfrm>
+          <a:prstGeom prst="roundRect">
+            <a:avLst/>
+          </a:prstGeom>
+        </p:spPr>
+        <p:style>
+          <a:lnRef idx="2">
+            <a:schemeClr val="accent4">
+              <a:shade val="50000"/>
+            </a:schemeClr>
+          </a:lnRef>
+          <a:fillRef idx="1">
+            <a:schemeClr val="accent4"/>
+          </a:fillRef>
+          <a:effectRef idx="0">
+            <a:schemeClr val="accent4"/>
+          </a:effectRef>
+          <a:fontRef idx="minor">
+            <a:schemeClr val="lt1"/>
+          </a:fontRef>
+        </p:style>
+        <p:txBody>
+          <a:bodyPr rtlCol="0" anchor="ctr"/>
+          <a:lstStyle/>
+          <a:p>
+            <a:pPr algn="ctr"/>
+            <a:r>
+              <a:rPr lang="en-GB" sz="725" b="1" dirty="0"/>
+              <a:t>Research Policy Working Groups</a:t>
+            </a:r>
+          </a:p>
+        </p:txBody>
+      </p:sp>
+      <p:sp>
+        <p:nvSpPr>
+          <p:cNvPr id="62" name="Rectangle: Rounded Corners 61">
+            <a:extLst>
+              <a:ext uri="{FF2B5EF4-FFF2-40B4-BE49-F238E27FC236}">
+                <a16:creationId xmlns:a16="http://schemas.microsoft.com/office/drawing/2014/main" id="{D2C7AA6B-7132-4B6D-BB17-EE543A37E361}"/>
+              </a:ext>
+            </a:extLst>
+          </p:cNvPr>
+          <p:cNvSpPr/>
+          <p:nvPr/>
+        </p:nvSpPr>
+        <p:spPr>
+          <a:xfrm>
+            <a:off x="2135369" y="3692586"/>
+            <a:ext cx="696536" cy="668064"/>
+          </a:xfrm>
+          <a:prstGeom prst="roundRect">
+            <a:avLst/>
+          </a:prstGeom>
+        </p:spPr>
+        <p:style>
+          <a:lnRef idx="2">
+            <a:schemeClr val="accent5">
+              <a:shade val="50000"/>
+            </a:schemeClr>
+          </a:lnRef>
+          <a:fillRef idx="1">
+            <a:schemeClr val="accent5"/>
+          </a:fillRef>
+          <a:effectRef idx="0">
+            <a:schemeClr val="accent5"/>
+          </a:effectRef>
+          <a:fontRef idx="minor">
+            <a:schemeClr val="lt1"/>
+          </a:fontRef>
+        </p:style>
+        <p:txBody>
+          <a:bodyPr rtlCol="0" anchor="ctr"/>
+          <a:lstStyle/>
+          <a:p>
+            <a:pPr algn="ctr"/>
+            <a:r>
+              <a:rPr lang="en-GB" sz="725" b="1" dirty="0"/>
+              <a:t>Financial and Commercial Steering Committee</a:t>
+            </a:r>
+          </a:p>
+        </p:txBody>
+      </p:sp>
+      <p:sp>
+        <p:nvSpPr>
+          <p:cNvPr id="95" name="Rectangle: Rounded Corners 94">
+            <a:extLst>
+              <a:ext uri="{FF2B5EF4-FFF2-40B4-BE49-F238E27FC236}">
+                <a16:creationId xmlns:a16="http://schemas.microsoft.com/office/drawing/2014/main" id="{CD0F274D-7401-4102-B7AE-F5CB6F44ED07}"/>
+              </a:ext>
+            </a:extLst>
+          </p:cNvPr>
+          <p:cNvSpPr/>
+          <p:nvPr/>
+        </p:nvSpPr>
+        <p:spPr>
+          <a:xfrm>
+            <a:off x="1433058" y="3675944"/>
+            <a:ext cx="676732" cy="668064"/>
+          </a:xfrm>
+          <a:prstGeom prst="roundRect">
+            <a:avLst/>
+          </a:prstGeom>
+        </p:spPr>
+        <p:style>
+          <a:lnRef idx="2">
+            <a:schemeClr val="accent5">
+              <a:shade val="50000"/>
+            </a:schemeClr>
+          </a:lnRef>
+          <a:fillRef idx="1">
+            <a:schemeClr val="accent5"/>
+          </a:fillRef>
+          <a:effectRef idx="0">
+            <a:schemeClr val="accent5"/>
+          </a:effectRef>
+          <a:fontRef idx="minor">
+            <a:schemeClr val="lt1"/>
+          </a:fontRef>
+        </p:style>
+        <p:txBody>
+          <a:bodyPr rtlCol="0" anchor="ctr"/>
+          <a:lstStyle/>
+          <a:p>
+            <a:pPr algn="ctr"/>
+            <a:r>
+              <a:rPr lang="en-GB" sz="725" b="1" dirty="0"/>
+              <a:t>Resource Allocation Committee</a:t>
+            </a:r>
+          </a:p>
+        </p:txBody>
+      </p:sp>
+      <p:sp>
+        <p:nvSpPr>
+          <p:cNvPr id="102" name="Rectangle: Rounded Corners 101">
+            <a:extLst>
+              <a:ext uri="{FF2B5EF4-FFF2-40B4-BE49-F238E27FC236}">
+                <a16:creationId xmlns:a16="http://schemas.microsoft.com/office/drawing/2014/main" id="{17B31FFB-D596-435E-9CF2-C994A8C20184}"/>
+              </a:ext>
+            </a:extLst>
+          </p:cNvPr>
+          <p:cNvSpPr/>
+          <p:nvPr/>
+        </p:nvSpPr>
+        <p:spPr>
+          <a:xfrm>
+            <a:off x="2931520" y="3711207"/>
+            <a:ext cx="665525" cy="477175"/>
+          </a:xfrm>
+          <a:prstGeom prst="roundRect">
+            <a:avLst/>
+          </a:prstGeom>
+        </p:spPr>
+        <p:style>
+          <a:lnRef idx="2">
+            <a:schemeClr val="accent5">
+              <a:shade val="50000"/>
+            </a:schemeClr>
+          </a:lnRef>
+          <a:fillRef idx="1">
+            <a:schemeClr val="accent5"/>
+          </a:fillRef>
+          <a:effectRef idx="0">
+            <a:schemeClr val="accent5"/>
+          </a:effectRef>
+          <a:fontRef idx="minor">
+            <a:schemeClr val="lt1"/>
+          </a:fontRef>
+        </p:style>
+        <p:txBody>
+          <a:bodyPr rtlCol="0" anchor="ctr"/>
+          <a:lstStyle/>
+          <a:p>
+            <a:pPr algn="ctr"/>
+            <a:r>
+              <a:rPr lang="en-GB" sz="725" b="1" dirty="0"/>
+              <a:t>Policy Alignment Steering Committee</a:t>
+            </a:r>
+          </a:p>
+        </p:txBody>
+      </p:sp>
+      <p:sp>
+        <p:nvSpPr>
+          <p:cNvPr id="88" name="Rectangle: Rounded Corners 87">
+            <a:extLst>
+              <a:ext uri="{FF2B5EF4-FFF2-40B4-BE49-F238E27FC236}">
+                <a16:creationId xmlns:a16="http://schemas.microsoft.com/office/drawing/2014/main" id="{8E611BB6-79E5-46CB-8873-940F8411C7CC}"/>
+              </a:ext>
+            </a:extLst>
+          </p:cNvPr>
+          <p:cNvSpPr/>
+          <p:nvPr/>
+        </p:nvSpPr>
+        <p:spPr>
+          <a:xfrm>
+            <a:off x="3633537" y="3711288"/>
+            <a:ext cx="626002" cy="539824"/>
+          </a:xfrm>
+          <a:prstGeom prst="roundRect">
+            <a:avLst/>
+          </a:prstGeom>
+        </p:spPr>
+        <p:style>
+          <a:lnRef idx="2">
+            <a:schemeClr val="accent5">
+              <a:shade val="50000"/>
+            </a:schemeClr>
+          </a:lnRef>
+          <a:fillRef idx="1">
+            <a:schemeClr val="accent5"/>
+          </a:fillRef>
+          <a:effectRef idx="0">
+            <a:schemeClr val="accent5"/>
+          </a:effectRef>
+          <a:fontRef idx="minor">
+            <a:schemeClr val="lt1"/>
+          </a:fontRef>
+        </p:style>
+        <p:txBody>
+          <a:bodyPr rtlCol="0" anchor="ctr"/>
+          <a:lstStyle/>
+          <a:p>
+            <a:pPr algn="ctr"/>
+            <a:r>
+              <a:rPr lang="en-GB" sz="725" b="1" dirty="0"/>
+              <a:t>Ethics and Legal Steering Committee</a:t>
+            </a:r>
+          </a:p>
+        </p:txBody>
+      </p:sp>
+      <p:sp>
+        <p:nvSpPr>
+          <p:cNvPr id="103" name="Arrow: Curved Up 102">
+            <a:extLst>
+              <a:ext uri="{FF2B5EF4-FFF2-40B4-BE49-F238E27FC236}">
+                <a16:creationId xmlns:a16="http://schemas.microsoft.com/office/drawing/2014/main" id="{527F1DC6-F6EE-4CA7-B984-2806E71F6B72}"/>
+              </a:ext>
+            </a:extLst>
+          </p:cNvPr>
+          <p:cNvSpPr/>
+          <p:nvPr/>
+        </p:nvSpPr>
+        <p:spPr>
+          <a:xfrm rot="21307720" flipH="1">
+            <a:off x="2154625" y="4199963"/>
+            <a:ext cx="4884719" cy="378741"/>
           </a:xfrm>
           <a:prstGeom prst="curvedUpArrow">
             <a:avLst/>
@@ -14919,83 +15871,34 @@
           <a:lstStyle/>
           <a:p>
             <a:pPr algn="ctr"/>
-            <a:endParaRPr lang="en-GB" sz="725" dirty="0">
-              <a:solidFill>
-                <a:schemeClr val="tx1"/>
-              </a:solidFill>
-            </a:endParaRPr>
-          </a:p>
-          <a:p>
-            <a:pPr algn="ctr"/>
-            <a:endParaRPr lang="en-GB" sz="725" dirty="0">
-              <a:solidFill>
-                <a:schemeClr val="tx1"/>
-              </a:solidFill>
-            </a:endParaRPr>
-          </a:p>
-          <a:p>
-            <a:pPr algn="ctr"/>
             <a:r>
               <a:rPr lang="en-GB" sz="725" dirty="0">
                 <a:solidFill>
                   <a:schemeClr val="tx1"/>
                 </a:solidFill>
               </a:rPr>
-              <a:t>Policy and Rules of Participation Recommendations</a:t>
-            </a:r>
-          </a:p>
-        </p:txBody>
-      </p:sp>
-      <p:cxnSp>
-        <p:nvCxnSpPr>
-          <p:cNvPr id="56" name="Straight Connector 55">
+              <a:t>Scientific Case Requirements &amp; Proposals</a:t>
+            </a:r>
+          </a:p>
+          <a:p>
+            <a:pPr algn="ctr"/>
+            <a:r>
+              <a:rPr lang="en-GB" sz="725" dirty="0">
+                <a:solidFill>
+                  <a:schemeClr val="tx1"/>
+                </a:solidFill>
+              </a:rPr>
+              <a:t>Policy\Principles of Engagement Requirements &amp; Proposals</a:t>
+            </a:r>
+          </a:p>
+        </p:txBody>
+      </p:sp>
+      <p:sp>
+        <p:nvSpPr>
+          <p:cNvPr id="73" name="Rectangle: Rounded Corners 72">
             <a:extLst>
               <a:ext uri="{FF2B5EF4-FFF2-40B4-BE49-F238E27FC236}">
-                <a16:creationId xmlns:a16="http://schemas.microsoft.com/office/drawing/2014/main" id="{4BAB1431-03A9-441C-B23A-D60D02F617E6}"/>
-              </a:ext>
-            </a:extLst>
-          </p:cNvPr>
-          <p:cNvCxnSpPr>
-            <a:cxnSpLocks/>
-          </p:cNvCxnSpPr>
-          <p:nvPr/>
-        </p:nvCxnSpPr>
-        <p:spPr>
-          <a:xfrm>
-            <a:off x="1841171" y="1681066"/>
-            <a:ext cx="357057" cy="1115610"/>
-          </a:xfrm>
-          <a:prstGeom prst="line">
-            <a:avLst/>
-          </a:prstGeom>
-          <a:ln w="50800">
-            <a:solidFill>
-              <a:schemeClr val="tx2"/>
-            </a:solidFill>
-            <a:prstDash val="solid"/>
-          </a:ln>
-        </p:spPr>
-        <p:style>
-          <a:lnRef idx="1">
-            <a:schemeClr val="accent1"/>
-          </a:lnRef>
-          <a:fillRef idx="0">
-            <a:schemeClr val="accent1"/>
-          </a:fillRef>
-          <a:effectRef idx="0">
-            <a:schemeClr val="accent1"/>
-          </a:effectRef>
-          <a:fontRef idx="minor">
-            <a:schemeClr val="tx1"/>
-          </a:fontRef>
-        </p:style>
-      </p:cxnSp>
-      <p:sp>
-        <p:nvSpPr>
-          <p:cNvPr id="75" name="Rectangle: Rounded Corners 74">
-            <a:extLst>
-              <a:ext uri="{FF2B5EF4-FFF2-40B4-BE49-F238E27FC236}">
-                <a16:creationId xmlns:a16="http://schemas.microsoft.com/office/drawing/2014/main" id="{CB0408A9-B8ED-4E54-AC27-07947D610A80}"/>
+                <a16:creationId xmlns:a16="http://schemas.microsoft.com/office/drawing/2014/main" id="{B3B33AEE-2772-4311-8E2D-FFB75FF2799F}"/>
               </a:ext>
             </a:extLst>
           </p:cNvPr>
@@ -15004,8 +15907,8 @@
         </p:nvSpPr>
         <p:spPr>
           <a:xfrm>
-            <a:off x="7700536" y="4599238"/>
-            <a:ext cx="1126916" cy="600889"/>
+            <a:off x="6384467" y="3672572"/>
+            <a:ext cx="1274804" cy="477175"/>
           </a:xfrm>
           <a:prstGeom prst="roundRect">
             <a:avLst/>
@@ -15033,912 +15936,8 @@
           <a:p>
             <a:pPr algn="ctr"/>
             <a:r>
-              <a:rPr lang="en-GB" sz="604" b="1" dirty="0"/>
-              <a:t>Research Discipline  Policy Sub-Committees</a:t>
-            </a:r>
-          </a:p>
-        </p:txBody>
-      </p:sp>
-      <p:sp>
-        <p:nvSpPr>
-          <p:cNvPr id="81" name="Rectangle: Rounded Corners 80">
-            <a:extLst>
-              <a:ext uri="{FF2B5EF4-FFF2-40B4-BE49-F238E27FC236}">
-                <a16:creationId xmlns:a16="http://schemas.microsoft.com/office/drawing/2014/main" id="{6882063A-1762-4C41-96EB-9B2210CD2A30}"/>
-              </a:ext>
-            </a:extLst>
-          </p:cNvPr>
-          <p:cNvSpPr/>
-          <p:nvPr/>
-        </p:nvSpPr>
-        <p:spPr>
-          <a:xfrm>
-            <a:off x="7746566" y="4645267"/>
-            <a:ext cx="1126916" cy="600889"/>
-          </a:xfrm>
-          <a:prstGeom prst="roundRect">
-            <a:avLst/>
-          </a:prstGeom>
-        </p:spPr>
-        <p:style>
-          <a:lnRef idx="2">
-            <a:schemeClr val="accent4">
-              <a:shade val="50000"/>
-            </a:schemeClr>
-          </a:lnRef>
-          <a:fillRef idx="1">
-            <a:schemeClr val="accent4"/>
-          </a:fillRef>
-          <a:effectRef idx="0">
-            <a:schemeClr val="accent4"/>
-          </a:effectRef>
-          <a:fontRef idx="minor">
-            <a:schemeClr val="lt1"/>
-          </a:fontRef>
-        </p:style>
-        <p:txBody>
-          <a:bodyPr rtlCol="0" anchor="ctr"/>
-          <a:lstStyle/>
-          <a:p>
-            <a:pPr algn="ctr"/>
-            <a:r>
-              <a:rPr lang="en-GB" sz="604" b="1" dirty="0"/>
-              <a:t>Research Discipline  Policy Sub-Committees</a:t>
-            </a:r>
-          </a:p>
-        </p:txBody>
-      </p:sp>
-      <p:sp>
-        <p:nvSpPr>
-          <p:cNvPr id="82" name="Rectangle: Rounded Corners 81">
-            <a:extLst>
-              <a:ext uri="{FF2B5EF4-FFF2-40B4-BE49-F238E27FC236}">
-                <a16:creationId xmlns:a16="http://schemas.microsoft.com/office/drawing/2014/main" id="{9577A198-0E3B-4D56-A149-50616FA5FD51}"/>
-              </a:ext>
-            </a:extLst>
-          </p:cNvPr>
-          <p:cNvSpPr/>
-          <p:nvPr/>
-        </p:nvSpPr>
-        <p:spPr>
-          <a:xfrm>
-            <a:off x="7792595" y="4691296"/>
-            <a:ext cx="1126916" cy="600889"/>
-          </a:xfrm>
-          <a:prstGeom prst="roundRect">
-            <a:avLst/>
-          </a:prstGeom>
-        </p:spPr>
-        <p:style>
-          <a:lnRef idx="2">
-            <a:schemeClr val="accent4">
-              <a:shade val="50000"/>
-            </a:schemeClr>
-          </a:lnRef>
-          <a:fillRef idx="1">
-            <a:schemeClr val="accent4"/>
-          </a:fillRef>
-          <a:effectRef idx="0">
-            <a:schemeClr val="accent4"/>
-          </a:effectRef>
-          <a:fontRef idx="minor">
-            <a:schemeClr val="lt1"/>
-          </a:fontRef>
-        </p:style>
-        <p:txBody>
-          <a:bodyPr rtlCol="0" anchor="ctr"/>
-          <a:lstStyle/>
-          <a:p>
-            <a:pPr algn="ctr"/>
-            <a:r>
-              <a:rPr lang="en-GB" sz="604" b="1" dirty="0"/>
-              <a:t>Research Discipline  Policy Sub-Committees</a:t>
-            </a:r>
-          </a:p>
-        </p:txBody>
-      </p:sp>
-      <p:sp>
-        <p:nvSpPr>
-          <p:cNvPr id="84" name="Rectangle: Rounded Corners 83">
-            <a:extLst>
-              <a:ext uri="{FF2B5EF4-FFF2-40B4-BE49-F238E27FC236}">
-                <a16:creationId xmlns:a16="http://schemas.microsoft.com/office/drawing/2014/main" id="{E4572CB8-A42F-46BC-B719-CFB0338A1896}"/>
-              </a:ext>
-            </a:extLst>
-          </p:cNvPr>
-          <p:cNvSpPr/>
-          <p:nvPr/>
-        </p:nvSpPr>
-        <p:spPr>
-          <a:xfrm>
-            <a:off x="7838624" y="4737326"/>
-            <a:ext cx="1126916" cy="600889"/>
-          </a:xfrm>
-          <a:prstGeom prst="roundRect">
-            <a:avLst/>
-          </a:prstGeom>
-        </p:spPr>
-        <p:style>
-          <a:lnRef idx="2">
-            <a:schemeClr val="accent4">
-              <a:shade val="50000"/>
-            </a:schemeClr>
-          </a:lnRef>
-          <a:fillRef idx="1">
-            <a:schemeClr val="accent4"/>
-          </a:fillRef>
-          <a:effectRef idx="0">
-            <a:schemeClr val="accent4"/>
-          </a:effectRef>
-          <a:fontRef idx="minor">
-            <a:schemeClr val="lt1"/>
-          </a:fontRef>
-        </p:style>
-        <p:txBody>
-          <a:bodyPr rtlCol="0" anchor="ctr"/>
-          <a:lstStyle/>
-          <a:p>
-            <a:pPr algn="ctr"/>
-            <a:r>
               <a:rPr lang="en-GB" sz="725" b="1" dirty="0"/>
-              <a:t>Research Discipline  Policy Sub-Committees</a:t>
-            </a:r>
-          </a:p>
-        </p:txBody>
-      </p:sp>
-      <p:cxnSp>
-        <p:nvCxnSpPr>
-          <p:cNvPr id="85" name="Straight Connector 84">
-            <a:extLst>
-              <a:ext uri="{FF2B5EF4-FFF2-40B4-BE49-F238E27FC236}">
-                <a16:creationId xmlns:a16="http://schemas.microsoft.com/office/drawing/2014/main" id="{9ED93F86-B850-433A-9C60-0F6E2BCDF406}"/>
-              </a:ext>
-            </a:extLst>
-          </p:cNvPr>
-          <p:cNvCxnSpPr>
-            <a:cxnSpLocks/>
-          </p:cNvCxnSpPr>
-          <p:nvPr/>
-        </p:nvCxnSpPr>
-        <p:spPr>
-          <a:xfrm>
-            <a:off x="8264660" y="4170670"/>
-            <a:ext cx="64143" cy="587578"/>
-          </a:xfrm>
-          <a:prstGeom prst="line">
-            <a:avLst/>
-          </a:prstGeom>
-          <a:ln w="25400">
-            <a:solidFill>
-              <a:schemeClr val="tx2"/>
-            </a:solidFill>
-          </a:ln>
-        </p:spPr>
-        <p:style>
-          <a:lnRef idx="1">
-            <a:schemeClr val="accent1"/>
-          </a:lnRef>
-          <a:fillRef idx="0">
-            <a:schemeClr val="accent1"/>
-          </a:fillRef>
-          <a:effectRef idx="0">
-            <a:schemeClr val="accent1"/>
-          </a:effectRef>
-          <a:fontRef idx="minor">
-            <a:schemeClr val="tx1"/>
-          </a:fontRef>
-        </p:style>
-      </p:cxnSp>
-      <p:sp>
-        <p:nvSpPr>
-          <p:cNvPr id="91" name="Rectangle: Rounded Corners 90">
-            <a:extLst>
-              <a:ext uri="{FF2B5EF4-FFF2-40B4-BE49-F238E27FC236}">
-                <a16:creationId xmlns:a16="http://schemas.microsoft.com/office/drawing/2014/main" id="{CD649A38-6552-4642-B5CB-8CCA2A04DB8C}"/>
-              </a:ext>
-            </a:extLst>
-          </p:cNvPr>
-          <p:cNvSpPr/>
-          <p:nvPr/>
-        </p:nvSpPr>
-        <p:spPr>
-          <a:xfrm>
-            <a:off x="646930" y="3650776"/>
-            <a:ext cx="942673" cy="832447"/>
-          </a:xfrm>
-          <a:prstGeom prst="roundRect">
-            <a:avLst/>
-          </a:prstGeom>
-        </p:spPr>
-        <p:style>
-          <a:lnRef idx="2">
-            <a:schemeClr val="accent5">
-              <a:shade val="50000"/>
-            </a:schemeClr>
-          </a:lnRef>
-          <a:fillRef idx="1">
-            <a:schemeClr val="accent5"/>
-          </a:fillRef>
-          <a:effectRef idx="0">
-            <a:schemeClr val="accent5"/>
-          </a:effectRef>
-          <a:fontRef idx="minor">
-            <a:schemeClr val="lt1"/>
-          </a:fontRef>
-        </p:style>
-        <p:txBody>
-          <a:bodyPr rtlCol="0" anchor="ctr"/>
-          <a:lstStyle/>
-          <a:p>
-            <a:pPr algn="ctr"/>
-            <a:r>
-              <a:rPr lang="en-GB" sz="725" b="1" dirty="0"/>
-              <a:t>EOSC System Steering Committee</a:t>
-            </a:r>
-          </a:p>
-          <a:p>
-            <a:pPr algn="ctr"/>
-            <a:r>
-              <a:rPr lang="en-GB" sz="725" dirty="0"/>
-              <a:t>[EOSC System Owners: sets the key goals and directions]</a:t>
-            </a:r>
-          </a:p>
-        </p:txBody>
-      </p:sp>
-      <p:sp>
-        <p:nvSpPr>
-          <p:cNvPr id="92" name="Rectangle: Rounded Corners 91">
-            <a:extLst>
-              <a:ext uri="{FF2B5EF4-FFF2-40B4-BE49-F238E27FC236}">
-                <a16:creationId xmlns:a16="http://schemas.microsoft.com/office/drawing/2014/main" id="{726A8855-CA3B-4865-8D0A-CA42BE67E6BD}"/>
-              </a:ext>
-            </a:extLst>
-          </p:cNvPr>
-          <p:cNvSpPr/>
-          <p:nvPr/>
-        </p:nvSpPr>
-        <p:spPr>
-          <a:xfrm>
-            <a:off x="631319" y="4808030"/>
-            <a:ext cx="942673" cy="511564"/>
-          </a:xfrm>
-          <a:prstGeom prst="roundRect">
-            <a:avLst/>
-          </a:prstGeom>
-        </p:spPr>
-        <p:style>
-          <a:lnRef idx="2">
-            <a:schemeClr val="accent5">
-              <a:shade val="50000"/>
-            </a:schemeClr>
-          </a:lnRef>
-          <a:fillRef idx="1">
-            <a:schemeClr val="accent5"/>
-          </a:fillRef>
-          <a:effectRef idx="0">
-            <a:schemeClr val="accent5"/>
-          </a:effectRef>
-          <a:fontRef idx="minor">
-            <a:schemeClr val="lt1"/>
-          </a:fontRef>
-        </p:style>
-        <p:txBody>
-          <a:bodyPr rtlCol="0" anchor="ctr"/>
-          <a:lstStyle/>
-          <a:p>
-            <a:pPr algn="ctr"/>
-            <a:r>
-              <a:rPr lang="en-GB" sz="725" b="1" dirty="0"/>
-              <a:t>EOSC Service Portfolio Management Committee</a:t>
-            </a:r>
-          </a:p>
-        </p:txBody>
-      </p:sp>
-      <p:sp>
-        <p:nvSpPr>
-          <p:cNvPr id="93" name="Rectangle: Rounded Corners 92">
-            <a:extLst>
-              <a:ext uri="{FF2B5EF4-FFF2-40B4-BE49-F238E27FC236}">
-                <a16:creationId xmlns:a16="http://schemas.microsoft.com/office/drawing/2014/main" id="{0ECABEF3-88FC-403C-87A4-0D72D57B9DF9}"/>
-              </a:ext>
-            </a:extLst>
-          </p:cNvPr>
-          <p:cNvSpPr/>
-          <p:nvPr/>
-        </p:nvSpPr>
-        <p:spPr>
-          <a:xfrm>
-            <a:off x="635246" y="5469774"/>
-            <a:ext cx="942673" cy="728248"/>
-          </a:xfrm>
-          <a:prstGeom prst="roundRect">
-            <a:avLst/>
-          </a:prstGeom>
-        </p:spPr>
-        <p:style>
-          <a:lnRef idx="2">
-            <a:schemeClr val="accent5">
-              <a:shade val="50000"/>
-            </a:schemeClr>
-          </a:lnRef>
-          <a:fillRef idx="1">
-            <a:schemeClr val="accent5"/>
-          </a:fillRef>
-          <a:effectRef idx="0">
-            <a:schemeClr val="accent5"/>
-          </a:effectRef>
-          <a:fontRef idx="minor">
-            <a:schemeClr val="lt1"/>
-          </a:fontRef>
-        </p:style>
-        <p:txBody>
-          <a:bodyPr rtlCol="0" anchor="ctr"/>
-          <a:lstStyle/>
-          <a:p>
-            <a:pPr algn="ctr"/>
-            <a:r>
-              <a:rPr lang="en-GB" sz="604" b="1" dirty="0"/>
-              <a:t>EOSC System Executive Committee</a:t>
-            </a:r>
-          </a:p>
-          <a:p>
-            <a:pPr algn="ctr"/>
-            <a:r>
-              <a:rPr lang="en-GB" sz="604" dirty="0"/>
-              <a:t>[EOSC Top Managers: guaranteeing that the EOSC System is behaving according to the goal and directions]</a:t>
-            </a:r>
-          </a:p>
-        </p:txBody>
-      </p:sp>
-      <p:sp>
-        <p:nvSpPr>
-          <p:cNvPr id="94" name="Rectangle: Rounded Corners 93">
-            <a:extLst>
-              <a:ext uri="{FF2B5EF4-FFF2-40B4-BE49-F238E27FC236}">
-                <a16:creationId xmlns:a16="http://schemas.microsoft.com/office/drawing/2014/main" id="{984A01D0-8BE6-4A61-BD0B-9551FF53E31E}"/>
-              </a:ext>
-            </a:extLst>
-          </p:cNvPr>
-          <p:cNvSpPr/>
-          <p:nvPr/>
-        </p:nvSpPr>
-        <p:spPr>
-          <a:xfrm>
-            <a:off x="631319" y="2784171"/>
-            <a:ext cx="3176557" cy="368234"/>
-          </a:xfrm>
-          <a:prstGeom prst="roundRect">
-            <a:avLst/>
-          </a:prstGeom>
-        </p:spPr>
-        <p:style>
-          <a:lnRef idx="2">
-            <a:schemeClr val="accent5">
-              <a:shade val="50000"/>
-            </a:schemeClr>
-          </a:lnRef>
-          <a:fillRef idx="1">
-            <a:schemeClr val="accent5"/>
-          </a:fillRef>
-          <a:effectRef idx="0">
-            <a:schemeClr val="accent5"/>
-          </a:effectRef>
-          <a:fontRef idx="minor">
-            <a:schemeClr val="lt1"/>
-          </a:fontRef>
-        </p:style>
-        <p:txBody>
-          <a:bodyPr rtlCol="0" anchor="ctr"/>
-          <a:lstStyle/>
-          <a:p>
-            <a:pPr algn="ctr"/>
-            <a:r>
-              <a:rPr lang="en-GB" sz="966" b="1" dirty="0"/>
-              <a:t>Executive Board</a:t>
-            </a:r>
-          </a:p>
-        </p:txBody>
-      </p:sp>
-      <p:sp>
-        <p:nvSpPr>
-          <p:cNvPr id="95" name="Rectangle: Rounded Corners 94">
-            <a:extLst>
-              <a:ext uri="{FF2B5EF4-FFF2-40B4-BE49-F238E27FC236}">
-                <a16:creationId xmlns:a16="http://schemas.microsoft.com/office/drawing/2014/main" id="{CD0F274D-7401-4102-B7AE-F5CB6F44ED07}"/>
-              </a:ext>
-            </a:extLst>
-          </p:cNvPr>
-          <p:cNvSpPr/>
-          <p:nvPr/>
-        </p:nvSpPr>
-        <p:spPr>
-          <a:xfrm>
-            <a:off x="1770385" y="3667593"/>
-            <a:ext cx="942673" cy="477175"/>
-          </a:xfrm>
-          <a:prstGeom prst="roundRect">
-            <a:avLst/>
-          </a:prstGeom>
-        </p:spPr>
-        <p:style>
-          <a:lnRef idx="2">
-            <a:schemeClr val="accent5">
-              <a:shade val="50000"/>
-            </a:schemeClr>
-          </a:lnRef>
-          <a:fillRef idx="1">
-            <a:schemeClr val="accent5"/>
-          </a:fillRef>
-          <a:effectRef idx="0">
-            <a:schemeClr val="accent5"/>
-          </a:effectRef>
-          <a:fontRef idx="minor">
-            <a:schemeClr val="lt1"/>
-          </a:fontRef>
-        </p:style>
-        <p:txBody>
-          <a:bodyPr rtlCol="0" anchor="ctr"/>
-          <a:lstStyle/>
-          <a:p>
-            <a:pPr algn="ctr"/>
-            <a:r>
-              <a:rPr lang="en-GB" sz="725" b="1" dirty="0"/>
-              <a:t>Resource Allocation Committee</a:t>
-            </a:r>
-          </a:p>
-        </p:txBody>
-      </p:sp>
-      <p:sp>
-        <p:nvSpPr>
-          <p:cNvPr id="96" name="Rectangle: Rounded Corners 95">
-            <a:extLst>
-              <a:ext uri="{FF2B5EF4-FFF2-40B4-BE49-F238E27FC236}">
-                <a16:creationId xmlns:a16="http://schemas.microsoft.com/office/drawing/2014/main" id="{DEA97871-5524-4738-BB2D-44940FB17897}"/>
-              </a:ext>
-            </a:extLst>
-          </p:cNvPr>
-          <p:cNvSpPr/>
-          <p:nvPr/>
-        </p:nvSpPr>
-        <p:spPr>
-          <a:xfrm>
-            <a:off x="4913172" y="3646259"/>
-            <a:ext cx="1274804" cy="477175"/>
-          </a:xfrm>
-          <a:prstGeom prst="roundRect">
-            <a:avLst/>
-          </a:prstGeom>
-        </p:spPr>
-        <p:style>
-          <a:lnRef idx="2">
-            <a:schemeClr val="accent4">
-              <a:shade val="50000"/>
-            </a:schemeClr>
-          </a:lnRef>
-          <a:fillRef idx="1">
-            <a:schemeClr val="accent4"/>
-          </a:fillRef>
-          <a:effectRef idx="0">
-            <a:schemeClr val="accent4"/>
-          </a:effectRef>
-          <a:fontRef idx="minor">
-            <a:schemeClr val="lt1"/>
-          </a:fontRef>
-        </p:style>
-        <p:txBody>
-          <a:bodyPr rtlCol="0" anchor="ctr"/>
-          <a:lstStyle/>
-          <a:p>
-            <a:pPr algn="ctr"/>
-            <a:r>
-              <a:rPr lang="en-GB" sz="725" b="1" dirty="0"/>
-              <a:t>EOSC Technical Oversight Committee</a:t>
-            </a:r>
-          </a:p>
-          <a:p>
-            <a:pPr algn="ctr"/>
-            <a:r>
-              <a:rPr lang="en-GB" sz="725" b="1" dirty="0"/>
-              <a:t>[define and monitor agreed quality measures]</a:t>
-            </a:r>
-          </a:p>
-        </p:txBody>
-      </p:sp>
-      <p:sp>
-        <p:nvSpPr>
-          <p:cNvPr id="97" name="Rectangle: Rounded Corners 96">
-            <a:extLst>
-              <a:ext uri="{FF2B5EF4-FFF2-40B4-BE49-F238E27FC236}">
-                <a16:creationId xmlns:a16="http://schemas.microsoft.com/office/drawing/2014/main" id="{886595BB-96E1-4B18-B8FD-36CBF24B0AEE}"/>
-              </a:ext>
-            </a:extLst>
-          </p:cNvPr>
-          <p:cNvSpPr/>
-          <p:nvPr/>
-        </p:nvSpPr>
-        <p:spPr>
-          <a:xfrm>
-            <a:off x="5051259" y="4704108"/>
-            <a:ext cx="1126916" cy="600889"/>
-          </a:xfrm>
-          <a:prstGeom prst="roundRect">
-            <a:avLst/>
-          </a:prstGeom>
-        </p:spPr>
-        <p:style>
-          <a:lnRef idx="2">
-            <a:schemeClr val="accent4">
-              <a:shade val="50000"/>
-            </a:schemeClr>
-          </a:lnRef>
-          <a:fillRef idx="1">
-            <a:schemeClr val="accent4"/>
-          </a:fillRef>
-          <a:effectRef idx="0">
-            <a:schemeClr val="accent4"/>
-          </a:effectRef>
-          <a:fontRef idx="minor">
-            <a:schemeClr val="lt1"/>
-          </a:fontRef>
-        </p:style>
-        <p:txBody>
-          <a:bodyPr rtlCol="0" anchor="ctr"/>
-          <a:lstStyle/>
-          <a:p>
-            <a:pPr algn="ctr"/>
-            <a:r>
-              <a:rPr lang="en-GB" sz="725" b="1" dirty="0"/>
-              <a:t>EOSC Research Discipline Technical Sub-Committees</a:t>
-            </a:r>
-          </a:p>
-          <a:p>
-            <a:pPr algn="ctr"/>
-            <a:r>
-              <a:rPr lang="en-GB" sz="725" b="1" dirty="0"/>
-              <a:t>[define and monitor quality measures on behalf of research communities]</a:t>
-            </a:r>
-          </a:p>
-        </p:txBody>
-      </p:sp>
-      <p:sp>
-        <p:nvSpPr>
-          <p:cNvPr id="98" name="Rectangle: Rounded Corners 97">
-            <a:extLst>
-              <a:ext uri="{FF2B5EF4-FFF2-40B4-BE49-F238E27FC236}">
-                <a16:creationId xmlns:a16="http://schemas.microsoft.com/office/drawing/2014/main" id="{2C10B8FF-50B0-4288-BBCD-B3B800DAD0BE}"/>
-              </a:ext>
-            </a:extLst>
-          </p:cNvPr>
-          <p:cNvSpPr/>
-          <p:nvPr/>
-        </p:nvSpPr>
-        <p:spPr>
-          <a:xfrm>
-            <a:off x="6522555" y="4724821"/>
-            <a:ext cx="1126916" cy="600889"/>
-          </a:xfrm>
-          <a:prstGeom prst="roundRect">
-            <a:avLst/>
-          </a:prstGeom>
-        </p:spPr>
-        <p:style>
-          <a:lnRef idx="2">
-            <a:schemeClr val="accent4">
-              <a:shade val="50000"/>
-            </a:schemeClr>
-          </a:lnRef>
-          <a:fillRef idx="1">
-            <a:schemeClr val="accent4"/>
-          </a:fillRef>
-          <a:effectRef idx="0">
-            <a:schemeClr val="accent4"/>
-          </a:effectRef>
-          <a:fontRef idx="minor">
-            <a:schemeClr val="lt1"/>
-          </a:fontRef>
-        </p:style>
-        <p:txBody>
-          <a:bodyPr rtlCol="0" anchor="ctr"/>
-          <a:lstStyle/>
-          <a:p>
-            <a:pPr algn="ctr"/>
-            <a:r>
-              <a:rPr lang="en-GB" sz="725" b="1" dirty="0"/>
-              <a:t>EOSC Research Discipline Demand  Panels</a:t>
-            </a:r>
-          </a:p>
-        </p:txBody>
-      </p:sp>
-      <p:sp>
-        <p:nvSpPr>
-          <p:cNvPr id="99" name="Rectangle: Rounded Corners 98">
-            <a:extLst>
-              <a:ext uri="{FF2B5EF4-FFF2-40B4-BE49-F238E27FC236}">
-                <a16:creationId xmlns:a16="http://schemas.microsoft.com/office/drawing/2014/main" id="{65853B53-8FAC-4EBC-9934-337121E8834E}"/>
-              </a:ext>
-            </a:extLst>
-          </p:cNvPr>
-          <p:cNvSpPr/>
-          <p:nvPr/>
-        </p:nvSpPr>
-        <p:spPr>
-          <a:xfrm>
-            <a:off x="4993788" y="5617914"/>
-            <a:ext cx="1044240" cy="381376"/>
-          </a:xfrm>
-          <a:prstGeom prst="roundRect">
-            <a:avLst/>
-          </a:prstGeom>
-        </p:spPr>
-        <p:style>
-          <a:lnRef idx="2">
-            <a:schemeClr val="accent4">
-              <a:shade val="50000"/>
-            </a:schemeClr>
-          </a:lnRef>
-          <a:fillRef idx="1">
-            <a:schemeClr val="accent4"/>
-          </a:fillRef>
-          <a:effectRef idx="0">
-            <a:schemeClr val="accent4"/>
-          </a:effectRef>
-          <a:fontRef idx="minor">
-            <a:schemeClr val="lt1"/>
-          </a:fontRef>
-        </p:style>
-        <p:txBody>
-          <a:bodyPr rtlCol="0" anchor="ctr"/>
-          <a:lstStyle/>
-          <a:p>
-            <a:pPr algn="ctr"/>
-            <a:r>
-              <a:rPr lang="en-GB" sz="725" b="1" dirty="0"/>
-              <a:t>Technical Working Groups</a:t>
-            </a:r>
-          </a:p>
-        </p:txBody>
-      </p:sp>
-      <p:sp>
-        <p:nvSpPr>
-          <p:cNvPr id="101" name="Rectangle: Rounded Corners 100">
-            <a:extLst>
-              <a:ext uri="{FF2B5EF4-FFF2-40B4-BE49-F238E27FC236}">
-                <a16:creationId xmlns:a16="http://schemas.microsoft.com/office/drawing/2014/main" id="{308F45AC-305B-44BE-A2E6-8009FBA42D22}"/>
-              </a:ext>
-            </a:extLst>
-          </p:cNvPr>
-          <p:cNvSpPr/>
-          <p:nvPr/>
-        </p:nvSpPr>
-        <p:spPr>
-          <a:xfrm>
-            <a:off x="6176116" y="5619194"/>
-            <a:ext cx="1044240" cy="381376"/>
-          </a:xfrm>
-          <a:prstGeom prst="roundRect">
-            <a:avLst/>
-          </a:prstGeom>
-        </p:spPr>
-        <p:style>
-          <a:lnRef idx="2">
-            <a:schemeClr val="accent4">
-              <a:shade val="50000"/>
-            </a:schemeClr>
-          </a:lnRef>
-          <a:fillRef idx="1">
-            <a:schemeClr val="accent4"/>
-          </a:fillRef>
-          <a:effectRef idx="0">
-            <a:schemeClr val="accent4"/>
-          </a:effectRef>
-          <a:fontRef idx="minor">
-            <a:schemeClr val="lt1"/>
-          </a:fontRef>
-        </p:style>
-        <p:txBody>
-          <a:bodyPr rtlCol="0" anchor="ctr"/>
-          <a:lstStyle/>
-          <a:p>
-            <a:pPr algn="ctr"/>
-            <a:r>
-              <a:rPr lang="en-GB" sz="725" b="1" dirty="0"/>
-              <a:t>Research Community Working Groups</a:t>
-            </a:r>
-          </a:p>
-        </p:txBody>
-      </p:sp>
-      <p:sp>
-        <p:nvSpPr>
-          <p:cNvPr id="102" name="Rectangle: Rounded Corners 101">
-            <a:extLst>
-              <a:ext uri="{FF2B5EF4-FFF2-40B4-BE49-F238E27FC236}">
-                <a16:creationId xmlns:a16="http://schemas.microsoft.com/office/drawing/2014/main" id="{17B31FFB-D596-435E-9CF2-C994A8C20184}"/>
-              </a:ext>
-            </a:extLst>
-          </p:cNvPr>
-          <p:cNvSpPr/>
-          <p:nvPr/>
-        </p:nvSpPr>
-        <p:spPr>
-          <a:xfrm>
-            <a:off x="2992979" y="3656548"/>
-            <a:ext cx="942673" cy="477175"/>
-          </a:xfrm>
-          <a:prstGeom prst="roundRect">
-            <a:avLst/>
-          </a:prstGeom>
-        </p:spPr>
-        <p:style>
-          <a:lnRef idx="2">
-            <a:schemeClr val="accent5">
-              <a:shade val="50000"/>
-            </a:schemeClr>
-          </a:lnRef>
-          <a:fillRef idx="1">
-            <a:schemeClr val="accent5"/>
-          </a:fillRef>
-          <a:effectRef idx="0">
-            <a:schemeClr val="accent5"/>
-          </a:effectRef>
-          <a:fontRef idx="minor">
-            <a:schemeClr val="lt1"/>
-          </a:fontRef>
-        </p:style>
-        <p:txBody>
-          <a:bodyPr rtlCol="0" anchor="ctr"/>
-          <a:lstStyle/>
-          <a:p>
-            <a:pPr algn="ctr"/>
-            <a:r>
-              <a:rPr lang="en-GB" sz="725" b="1" dirty="0"/>
-              <a:t>Policy Alignment Steering Committee</a:t>
-            </a:r>
-          </a:p>
-        </p:txBody>
-      </p:sp>
-      <p:sp>
-        <p:nvSpPr>
-          <p:cNvPr id="65" name="Rectangle: Rounded Corners 64">
-            <a:extLst>
-              <a:ext uri="{FF2B5EF4-FFF2-40B4-BE49-F238E27FC236}">
-                <a16:creationId xmlns:a16="http://schemas.microsoft.com/office/drawing/2014/main" id="{1B74466D-2D63-458A-82C7-866A1E5A7553}"/>
-              </a:ext>
-            </a:extLst>
-          </p:cNvPr>
-          <p:cNvSpPr/>
-          <p:nvPr/>
-        </p:nvSpPr>
-        <p:spPr>
-          <a:xfrm>
-            <a:off x="7381677" y="5558878"/>
-            <a:ext cx="1044240" cy="381376"/>
-          </a:xfrm>
-          <a:prstGeom prst="roundRect">
-            <a:avLst/>
-          </a:prstGeom>
-        </p:spPr>
-        <p:style>
-          <a:lnRef idx="2">
-            <a:schemeClr val="accent4">
-              <a:shade val="50000"/>
-            </a:schemeClr>
-          </a:lnRef>
-          <a:fillRef idx="1">
-            <a:schemeClr val="accent4"/>
-          </a:fillRef>
-          <a:effectRef idx="0">
-            <a:schemeClr val="accent4"/>
-          </a:effectRef>
-          <a:fontRef idx="minor">
-            <a:schemeClr val="lt1"/>
-          </a:fontRef>
-        </p:style>
-        <p:txBody>
-          <a:bodyPr rtlCol="0" anchor="ctr"/>
-          <a:lstStyle/>
-          <a:p>
-            <a:pPr algn="ctr"/>
-            <a:r>
-              <a:rPr lang="en-GB" sz="604" b="1" dirty="0"/>
-              <a:t>Research Community Working Groups</a:t>
-            </a:r>
-          </a:p>
-        </p:txBody>
-      </p:sp>
-      <p:sp>
-        <p:nvSpPr>
-          <p:cNvPr id="66" name="Rectangle: Rounded Corners 65">
-            <a:extLst>
-              <a:ext uri="{FF2B5EF4-FFF2-40B4-BE49-F238E27FC236}">
-                <a16:creationId xmlns:a16="http://schemas.microsoft.com/office/drawing/2014/main" id="{CEFEA874-9C64-4246-B05B-BDDE4217AB6B}"/>
-              </a:ext>
-            </a:extLst>
-          </p:cNvPr>
-          <p:cNvSpPr/>
-          <p:nvPr/>
-        </p:nvSpPr>
-        <p:spPr>
-          <a:xfrm>
-            <a:off x="7427706" y="5604907"/>
-            <a:ext cx="1044240" cy="381376"/>
-          </a:xfrm>
-          <a:prstGeom prst="roundRect">
-            <a:avLst/>
-          </a:prstGeom>
-        </p:spPr>
-        <p:style>
-          <a:lnRef idx="2">
-            <a:schemeClr val="accent4">
-              <a:shade val="50000"/>
-            </a:schemeClr>
-          </a:lnRef>
-          <a:fillRef idx="1">
-            <a:schemeClr val="accent4"/>
-          </a:fillRef>
-          <a:effectRef idx="0">
-            <a:schemeClr val="accent4"/>
-          </a:effectRef>
-          <a:fontRef idx="minor">
-            <a:schemeClr val="lt1"/>
-          </a:fontRef>
-        </p:style>
-        <p:txBody>
-          <a:bodyPr rtlCol="0" anchor="ctr"/>
-          <a:lstStyle/>
-          <a:p>
-            <a:pPr algn="ctr"/>
-            <a:r>
-              <a:rPr lang="en-GB" sz="604" b="1" dirty="0"/>
-              <a:t>Research Community Working Groups</a:t>
-            </a:r>
-          </a:p>
-        </p:txBody>
-      </p:sp>
-      <p:sp>
-        <p:nvSpPr>
-          <p:cNvPr id="67" name="Rectangle: Rounded Corners 66">
-            <a:extLst>
-              <a:ext uri="{FF2B5EF4-FFF2-40B4-BE49-F238E27FC236}">
-                <a16:creationId xmlns:a16="http://schemas.microsoft.com/office/drawing/2014/main" id="{1EE657EC-AC34-4471-A3C0-E8596F56BFCE}"/>
-              </a:ext>
-            </a:extLst>
-          </p:cNvPr>
-          <p:cNvSpPr/>
-          <p:nvPr/>
-        </p:nvSpPr>
-        <p:spPr>
-          <a:xfrm>
-            <a:off x="7473735" y="5638431"/>
-            <a:ext cx="1044240" cy="381376"/>
-          </a:xfrm>
-          <a:prstGeom prst="roundRect">
-            <a:avLst/>
-          </a:prstGeom>
-        </p:spPr>
-        <p:style>
-          <a:lnRef idx="2">
-            <a:schemeClr val="accent4">
-              <a:shade val="50000"/>
-            </a:schemeClr>
-          </a:lnRef>
-          <a:fillRef idx="1">
-            <a:schemeClr val="accent4"/>
-          </a:fillRef>
-          <a:effectRef idx="0">
-            <a:schemeClr val="accent4"/>
-          </a:effectRef>
-          <a:fontRef idx="minor">
-            <a:schemeClr val="lt1"/>
-          </a:fontRef>
-        </p:style>
-        <p:txBody>
-          <a:bodyPr rtlCol="0" anchor="ctr"/>
-          <a:lstStyle/>
-          <a:p>
-            <a:pPr algn="ctr"/>
-            <a:r>
-              <a:rPr lang="en-GB" sz="725" b="1" dirty="0"/>
-              <a:t>Research Policy Working Groups</a:t>
+              <a:t>Research Resource Demand Committee</a:t>
             </a:r>
           </a:p>
         </p:txBody>
@@ -15953,6 +15952,1112 @@
   <p:clrMapOvr>
     <a:masterClrMapping/>
   </p:clrMapOvr>
+</p:sld>
+</file>
+
+<file path=ppt/slides/slide14.xml><?xml version="1.0" encoding="utf-8"?>
+<p:sld xmlns:a="http://schemas.openxmlformats.org/drawingml/2006/main" xmlns:r="http://schemas.openxmlformats.org/officeDocument/2006/relationships" xmlns:p="http://schemas.openxmlformats.org/presentationml/2006/main">
+  <p:cSld>
+    <p:spTree>
+      <p:nvGrpSpPr>
+        <p:cNvPr id="1" name=""/>
+        <p:cNvGrpSpPr/>
+        <p:nvPr/>
+      </p:nvGrpSpPr>
+      <p:grpSpPr>
+        <a:xfrm>
+          <a:off x="0" y="0"/>
+          <a:ext cx="0" cy="0"/>
+          <a:chOff x="0" y="0"/>
+          <a:chExt cx="0" cy="0"/>
+        </a:xfrm>
+      </p:grpSpPr>
+      <p:pic>
+        <p:nvPicPr>
+          <p:cNvPr id="9" name="Picture 8">
+            <a:extLst>
+              <a:ext uri="{FF2B5EF4-FFF2-40B4-BE49-F238E27FC236}">
+                <a16:creationId xmlns:a16="http://schemas.microsoft.com/office/drawing/2014/main" id="{2B74F854-9567-4F4C-B2E5-2D0AE1FDC6AD}"/>
+              </a:ext>
+            </a:extLst>
+          </p:cNvPr>
+          <p:cNvPicPr>
+            <a:picLocks noChangeAspect="1"/>
+          </p:cNvPicPr>
+          <p:nvPr/>
+        </p:nvPicPr>
+        <p:blipFill>
+          <a:blip r:embed="rId2"/>
+          <a:stretch>
+            <a:fillRect/>
+          </a:stretch>
+        </p:blipFill>
+        <p:spPr>
+          <a:xfrm>
+            <a:off x="-292937" y="2298867"/>
+            <a:ext cx="4863664" cy="3271450"/>
+          </a:xfrm>
+          <a:prstGeom prst="rect">
+            <a:avLst/>
+          </a:prstGeom>
+        </p:spPr>
+      </p:pic>
+      <p:sp>
+        <p:nvSpPr>
+          <p:cNvPr id="2" name="Title 1">
+            <a:extLst>
+              <a:ext uri="{FF2B5EF4-FFF2-40B4-BE49-F238E27FC236}">
+                <a16:creationId xmlns:a16="http://schemas.microsoft.com/office/drawing/2014/main" id="{7EAC2766-97B6-43DE-8D96-338337F8410C}"/>
+              </a:ext>
+            </a:extLst>
+          </p:cNvPr>
+          <p:cNvSpPr>
+            <a:spLocks noGrp="1"/>
+          </p:cNvSpPr>
+          <p:nvPr>
+            <p:ph type="title"/>
+          </p:nvPr>
+        </p:nvSpPr>
+        <p:spPr/>
+        <p:txBody>
+          <a:bodyPr/>
+          <a:lstStyle/>
+          <a:p>
+            <a:endParaRPr lang="en-GB"/>
+          </a:p>
+        </p:txBody>
+      </p:sp>
+      <p:sp>
+        <p:nvSpPr>
+          <p:cNvPr id="3" name="Content Placeholder 2">
+            <a:extLst>
+              <a:ext uri="{FF2B5EF4-FFF2-40B4-BE49-F238E27FC236}">
+                <a16:creationId xmlns:a16="http://schemas.microsoft.com/office/drawing/2014/main" id="{C530FE3C-C538-4AFD-90A4-52CAB17F2924}"/>
+              </a:ext>
+            </a:extLst>
+          </p:cNvPr>
+          <p:cNvSpPr>
+            <a:spLocks noGrp="1"/>
+          </p:cNvSpPr>
+          <p:nvPr>
+            <p:ph idx="1"/>
+          </p:nvPr>
+        </p:nvSpPr>
+        <p:spPr/>
+        <p:txBody>
+          <a:bodyPr/>
+          <a:lstStyle/>
+          <a:p>
+            <a:endParaRPr lang="en-GB" dirty="0"/>
+          </a:p>
+        </p:txBody>
+      </p:sp>
+      <p:sp>
+        <p:nvSpPr>
+          <p:cNvPr id="4" name="Date Placeholder 3">
+            <a:extLst>
+              <a:ext uri="{FF2B5EF4-FFF2-40B4-BE49-F238E27FC236}">
+                <a16:creationId xmlns:a16="http://schemas.microsoft.com/office/drawing/2014/main" id="{BCED1BE4-D7D4-4481-A5BD-46B0D91DDCD6}"/>
+              </a:ext>
+            </a:extLst>
+          </p:cNvPr>
+          <p:cNvSpPr>
+            <a:spLocks noGrp="1"/>
+          </p:cNvSpPr>
+          <p:nvPr>
+            <p:ph type="dt" sz="half" idx="10"/>
+          </p:nvPr>
+        </p:nvSpPr>
+        <p:spPr/>
+        <p:txBody>
+          <a:bodyPr/>
+          <a:lstStyle/>
+          <a:p>
+            <a:r>
+              <a:rPr lang="en-US"/>
+              <a:t>www.eoscpilot.eu</a:t>
+            </a:r>
+            <a:endParaRPr lang="en-GB" dirty="0"/>
+          </a:p>
+        </p:txBody>
+      </p:sp>
+      <p:sp>
+        <p:nvSpPr>
+          <p:cNvPr id="5" name="Footer Placeholder 4">
+            <a:extLst>
+              <a:ext uri="{FF2B5EF4-FFF2-40B4-BE49-F238E27FC236}">
+                <a16:creationId xmlns:a16="http://schemas.microsoft.com/office/drawing/2014/main" id="{47664C38-3BCC-4300-9EBC-E3BA47618760}"/>
+              </a:ext>
+            </a:extLst>
+          </p:cNvPr>
+          <p:cNvSpPr>
+            <a:spLocks noGrp="1"/>
+          </p:cNvSpPr>
+          <p:nvPr>
+            <p:ph type="ftr" sz="quarter" idx="11"/>
+          </p:nvPr>
+        </p:nvSpPr>
+        <p:spPr/>
+        <p:txBody>
+          <a:bodyPr/>
+          <a:lstStyle/>
+          <a:p>
+            <a:r>
+              <a:rPr lang="en-GB"/>
+              <a:t>The European Open Science Cloud for Research pilot project is funded by the European Commission, DG Research &amp; Innovation under contract no. 739563</a:t>
+            </a:r>
+            <a:endParaRPr lang="en-GB" dirty="0"/>
+          </a:p>
+        </p:txBody>
+      </p:sp>
+      <p:sp>
+        <p:nvSpPr>
+          <p:cNvPr id="6" name="Slide Number Placeholder 5">
+            <a:extLst>
+              <a:ext uri="{FF2B5EF4-FFF2-40B4-BE49-F238E27FC236}">
+                <a16:creationId xmlns:a16="http://schemas.microsoft.com/office/drawing/2014/main" id="{F6F77FE8-83E3-43F8-A761-3385829348A4}"/>
+              </a:ext>
+            </a:extLst>
+          </p:cNvPr>
+          <p:cNvSpPr>
+            <a:spLocks noGrp="1"/>
+          </p:cNvSpPr>
+          <p:nvPr>
+            <p:ph type="sldNum" sz="quarter" idx="12"/>
+          </p:nvPr>
+        </p:nvSpPr>
+        <p:spPr/>
+        <p:txBody>
+          <a:bodyPr/>
+          <a:lstStyle/>
+          <a:p>
+            <a:fld id="{154E5F24-684F-EB47-903B-D0BF2D59DFAF}" type="slidenum">
+              <a:rPr lang="en-GB" smtClean="0"/>
+              <a:pPr/>
+              <a:t>14</a:t>
+            </a:fld>
+            <a:endParaRPr lang="en-GB" dirty="0"/>
+          </a:p>
+        </p:txBody>
+      </p:sp>
+      <p:sp>
+        <p:nvSpPr>
+          <p:cNvPr id="25" name="Title 1">
+            <a:extLst>
+              <a:ext uri="{FF2B5EF4-FFF2-40B4-BE49-F238E27FC236}">
+                <a16:creationId xmlns:a16="http://schemas.microsoft.com/office/drawing/2014/main" id="{1CAD6B3A-1241-4B5A-98BE-679520EDC00E}"/>
+              </a:ext>
+            </a:extLst>
+          </p:cNvPr>
+          <p:cNvSpPr txBox="1">
+            <a:spLocks/>
+          </p:cNvSpPr>
+          <p:nvPr/>
+        </p:nvSpPr>
+        <p:spPr>
+          <a:xfrm>
+            <a:off x="178905" y="990350"/>
+            <a:ext cx="8448731" cy="712526"/>
+          </a:xfrm>
+          <a:prstGeom prst="rect">
+            <a:avLst/>
+          </a:prstGeom>
+        </p:spPr>
+        <p:txBody>
+          <a:bodyPr vert="horz" lIns="91440" tIns="45720" rIns="91440" bIns="45720" rtlCol="0" anchor="ctr">
+            <a:normAutofit fontScale="67500" lnSpcReduction="20000"/>
+          </a:bodyPr>
+          <a:lstStyle>
+            <a:lvl1pPr algn="l" defTabSz="914400" rtl="0" eaLnBrk="1" latinLnBrk="0" hangingPunct="1">
+              <a:lnSpc>
+                <a:spcPct val="90000"/>
+              </a:lnSpc>
+              <a:spcBef>
+                <a:spcPct val="0"/>
+              </a:spcBef>
+              <a:buNone/>
+              <a:defRPr sz="3000" b="1" kern="1200" baseline="0">
+                <a:solidFill>
+                  <a:schemeClr val="tx1"/>
+                </a:solidFill>
+                <a:latin typeface="+mj-lt"/>
+                <a:ea typeface="+mj-ea"/>
+                <a:cs typeface="+mj-cs"/>
+              </a:defRPr>
+            </a:lvl1pPr>
+          </a:lstStyle>
+          <a:p>
+            <a:r>
+              <a:rPr lang="fi-FI" dirty="0"/>
+              <a:t>EOSCpilot						             	       SWD</a:t>
+            </a:r>
+            <a:br>
+              <a:rPr lang="fi-FI" dirty="0"/>
+            </a:br>
+            <a:r>
+              <a:rPr lang="fi-FI" dirty="0"/>
+              <a:t>post-2020				           		             up to 2020</a:t>
+            </a:r>
+          </a:p>
+        </p:txBody>
+      </p:sp>
+      <p:sp>
+        <p:nvSpPr>
+          <p:cNvPr id="26" name="Rectangle 2">
+            <a:extLst>
+              <a:ext uri="{FF2B5EF4-FFF2-40B4-BE49-F238E27FC236}">
+                <a16:creationId xmlns:a16="http://schemas.microsoft.com/office/drawing/2014/main" id="{BFC8BFEF-B163-413A-B22D-3F26F2ED634A}"/>
+              </a:ext>
+            </a:extLst>
+          </p:cNvPr>
+          <p:cNvSpPr>
+            <a:spLocks noChangeArrowheads="1"/>
+          </p:cNvSpPr>
+          <p:nvPr/>
+        </p:nvSpPr>
+        <p:spPr bwMode="auto">
+          <a:xfrm>
+            <a:off x="4846939" y="2174017"/>
+            <a:ext cx="138564" cy="276999"/>
+          </a:xfrm>
+          <a:prstGeom prst="rect">
+            <a:avLst/>
+          </a:prstGeom>
+          <a:noFill/>
+          <a:ln>
+            <a:noFill/>
+          </a:ln>
+          <a:effectLst/>
+          <a:extLst>
+            <a:ext uri="{909E8E84-426E-40DD-AFC4-6F175D3DCCD1}">
+              <a14:hiddenFill xmlns:a14="http://schemas.microsoft.com/office/drawing/2010/main">
+                <a:solidFill>
+                  <a:schemeClr val="accent1"/>
+                </a:solidFill>
+              </a14:hiddenFill>
+            </a:ext>
+            <a:ext uri="{91240B29-F687-4F45-9708-019B960494DF}">
+              <a14:hiddenLine xmlns:a14="http://schemas.microsoft.com/office/drawing/2010/main" w="9525">
+                <a:solidFill>
+                  <a:schemeClr val="tx1"/>
+                </a:solidFill>
+                <a:miter lim="800000"/>
+                <a:headEnd/>
+                <a:tailEnd/>
+              </a14:hiddenLine>
+            </a:ext>
+            <a:ext uri="{AF507438-7753-43E0-B8FC-AC1667EBCBE1}">
+              <a14:hiddenEffects xmlns:a14="http://schemas.microsoft.com/office/drawing/2010/main">
+                <a:effectLst>
+                  <a:outerShdw dist="35921" dir="2700000" algn="ctr" rotWithShape="0">
+                    <a:schemeClr val="bg2"/>
+                  </a:outerShdw>
+                </a:effectLst>
+              </a14:hiddenEffects>
+            </a:ext>
+          </a:extLst>
+        </p:spPr>
+        <p:txBody>
+          <a:bodyPr vert="horz" wrap="none" lIns="68580" tIns="34290" rIns="68580" bIns="34290" numCol="1" anchor="ctr" anchorCtr="0" compatLnSpc="1">
+            <a:prstTxWarp prst="textNoShape">
+              <a:avLst/>
+            </a:prstTxWarp>
+            <a:spAutoFit/>
+          </a:bodyPr>
+          <a:lstStyle/>
+          <a:p>
+            <a:endParaRPr lang="fi-FI" sz="1350"/>
+          </a:p>
+        </p:txBody>
+      </p:sp>
+      <p:pic>
+        <p:nvPicPr>
+          <p:cNvPr id="27" name="Picture 1" descr="page34image340104160">
+            <a:extLst>
+              <a:ext uri="{FF2B5EF4-FFF2-40B4-BE49-F238E27FC236}">
+                <a16:creationId xmlns:a16="http://schemas.microsoft.com/office/drawing/2014/main" id="{CF7D1CEE-EC4F-4033-951C-9A56BEDDAD6E}"/>
+              </a:ext>
+            </a:extLst>
+          </p:cNvPr>
+          <p:cNvPicPr>
+            <a:picLocks noChangeAspect="1" noChangeArrowheads="1"/>
+          </p:cNvPicPr>
+          <p:nvPr/>
+        </p:nvPicPr>
+        <p:blipFill>
+          <a:blip r:embed="rId3" r:link="rId4">
+            <a:extLst>
+              <a:ext uri="{28A0092B-C50C-407E-A947-70E740481C1C}">
+                <a14:useLocalDpi xmlns:a14="http://schemas.microsoft.com/office/drawing/2010/main" val="0"/>
+              </a:ext>
+            </a:extLst>
+          </a:blip>
+          <a:srcRect/>
+          <a:stretch>
+            <a:fillRect/>
+          </a:stretch>
+        </p:blipFill>
+        <p:spPr bwMode="auto">
+          <a:xfrm>
+            <a:off x="4716118" y="2028312"/>
+            <a:ext cx="4425980" cy="3271451"/>
+          </a:xfrm>
+          <a:prstGeom prst="rect">
+            <a:avLst/>
+          </a:prstGeom>
+          <a:noFill/>
+          <a:extLst>
+            <a:ext uri="{909E8E84-426E-40DD-AFC4-6F175D3DCCD1}">
+              <a14:hiddenFill xmlns:a14="http://schemas.microsoft.com/office/drawing/2010/main">
+                <a:solidFill>
+                  <a:srgbClr val="FFFFFF"/>
+                </a:solidFill>
+              </a14:hiddenFill>
+            </a:ext>
+          </a:extLst>
+        </p:spPr>
+      </p:pic>
+      <p:grpSp>
+        <p:nvGrpSpPr>
+          <p:cNvPr id="28" name="Group 27">
+            <a:extLst>
+              <a:ext uri="{FF2B5EF4-FFF2-40B4-BE49-F238E27FC236}">
+                <a16:creationId xmlns:a16="http://schemas.microsoft.com/office/drawing/2014/main" id="{B48DF8F5-D016-486B-B093-4C19121DC7C3}"/>
+              </a:ext>
+            </a:extLst>
+          </p:cNvPr>
+          <p:cNvGrpSpPr/>
+          <p:nvPr/>
+        </p:nvGrpSpPr>
+        <p:grpSpPr>
+          <a:xfrm>
+            <a:off x="-435154" y="3062932"/>
+            <a:ext cx="8590614" cy="2782594"/>
+            <a:chOff x="-580205" y="2940909"/>
+            <a:chExt cx="11454151" cy="3710126"/>
+          </a:xfrm>
+        </p:grpSpPr>
+        <p:grpSp>
+          <p:nvGrpSpPr>
+            <p:cNvPr id="29" name="Group 28">
+              <a:extLst>
+                <a:ext uri="{FF2B5EF4-FFF2-40B4-BE49-F238E27FC236}">
+                  <a16:creationId xmlns:a16="http://schemas.microsoft.com/office/drawing/2014/main" id="{4209E386-030C-4CB6-8CA2-8FEE9FD57552}"/>
+                </a:ext>
+              </a:extLst>
+            </p:cNvPr>
+            <p:cNvGrpSpPr/>
+            <p:nvPr/>
+          </p:nvGrpSpPr>
+          <p:grpSpPr>
+            <a:xfrm>
+              <a:off x="-580205" y="2940909"/>
+              <a:ext cx="11454151" cy="3710126"/>
+              <a:chOff x="-580205" y="2940909"/>
+              <a:chExt cx="11454151" cy="3710126"/>
+            </a:xfrm>
+          </p:grpSpPr>
+          <p:sp>
+            <p:nvSpPr>
+              <p:cNvPr id="31" name="Oval 30">
+                <a:extLst>
+                  <a:ext uri="{FF2B5EF4-FFF2-40B4-BE49-F238E27FC236}">
+                    <a16:creationId xmlns:a16="http://schemas.microsoft.com/office/drawing/2014/main" id="{DAE72D03-138D-41DE-99D6-429A440F53F2}"/>
+                  </a:ext>
+                </a:extLst>
+              </p:cNvPr>
+              <p:cNvSpPr/>
+              <p:nvPr/>
+            </p:nvSpPr>
+            <p:spPr>
+              <a:xfrm>
+                <a:off x="-580205" y="3855576"/>
+                <a:ext cx="2755557" cy="2795459"/>
+              </a:xfrm>
+              <a:prstGeom prst="ellipse">
+                <a:avLst/>
+              </a:prstGeom>
+              <a:noFill/>
+              <a:ln w="50800"/>
+            </p:spPr>
+            <p:style>
+              <a:lnRef idx="2">
+                <a:schemeClr val="accent1">
+                  <a:shade val="50000"/>
+                </a:schemeClr>
+              </a:lnRef>
+              <a:fillRef idx="1">
+                <a:schemeClr val="accent1"/>
+              </a:fillRef>
+              <a:effectRef idx="0">
+                <a:schemeClr val="accent1"/>
+              </a:effectRef>
+              <a:fontRef idx="minor">
+                <a:schemeClr val="lt1"/>
+              </a:fontRef>
+            </p:style>
+            <p:txBody>
+              <a:bodyPr rtlCol="0" anchor="ctr"/>
+              <a:lstStyle/>
+              <a:p>
+                <a:pPr algn="ctr"/>
+                <a:endParaRPr lang="fi-FI" sz="1350" dirty="0"/>
+              </a:p>
+            </p:txBody>
+          </p:sp>
+          <p:sp>
+            <p:nvSpPr>
+              <p:cNvPr id="32" name="Oval 31">
+                <a:extLst>
+                  <a:ext uri="{FF2B5EF4-FFF2-40B4-BE49-F238E27FC236}">
+                    <a16:creationId xmlns:a16="http://schemas.microsoft.com/office/drawing/2014/main" id="{E2715096-9D82-446A-982E-AD1DDF56C65D}"/>
+                  </a:ext>
+                </a:extLst>
+              </p:cNvPr>
+              <p:cNvSpPr/>
+              <p:nvPr/>
+            </p:nvSpPr>
+            <p:spPr>
+              <a:xfrm>
+                <a:off x="6113731" y="2940909"/>
+                <a:ext cx="4760215" cy="3307708"/>
+              </a:xfrm>
+              <a:prstGeom prst="ellipse">
+                <a:avLst/>
+              </a:prstGeom>
+              <a:noFill/>
+              <a:ln w="50800"/>
+            </p:spPr>
+            <p:style>
+              <a:lnRef idx="2">
+                <a:schemeClr val="accent1">
+                  <a:shade val="50000"/>
+                </a:schemeClr>
+              </a:lnRef>
+              <a:fillRef idx="1">
+                <a:schemeClr val="accent1"/>
+              </a:fillRef>
+              <a:effectRef idx="0">
+                <a:schemeClr val="accent1"/>
+              </a:effectRef>
+              <a:fontRef idx="minor">
+                <a:schemeClr val="lt1"/>
+              </a:fontRef>
+            </p:style>
+            <p:txBody>
+              <a:bodyPr rtlCol="0" anchor="ctr"/>
+              <a:lstStyle/>
+              <a:p>
+                <a:pPr algn="ctr"/>
+                <a:endParaRPr lang="fi-FI" sz="1350"/>
+              </a:p>
+            </p:txBody>
+          </p:sp>
+        </p:grpSp>
+        <p:sp>
+          <p:nvSpPr>
+            <p:cNvPr id="30" name="TextBox 29">
+              <a:extLst>
+                <a:ext uri="{FF2B5EF4-FFF2-40B4-BE49-F238E27FC236}">
+                  <a16:creationId xmlns:a16="http://schemas.microsoft.com/office/drawing/2014/main" id="{B7F2A4DB-CA4C-48BD-B1B6-CA9DF858867A}"/>
+                </a:ext>
+              </a:extLst>
+            </p:cNvPr>
+            <p:cNvSpPr txBox="1"/>
+            <p:nvPr/>
+          </p:nvSpPr>
+          <p:spPr>
+            <a:xfrm>
+              <a:off x="5640609" y="6067808"/>
+              <a:ext cx="1760568" cy="492443"/>
+            </a:xfrm>
+            <a:prstGeom prst="rect">
+              <a:avLst/>
+            </a:prstGeom>
+            <a:noFill/>
+          </p:spPr>
+          <p:txBody>
+            <a:bodyPr wrap="none" rtlCol="0">
+              <a:spAutoFit/>
+            </a:bodyPr>
+            <a:lstStyle/>
+            <a:p>
+              <a:r>
+                <a:rPr lang="fi-FI" b="1" dirty="0" err="1">
+                  <a:solidFill>
+                    <a:schemeClr val="accent1">
+                      <a:lumMod val="75000"/>
+                    </a:schemeClr>
+                  </a:solidFill>
+                </a:rPr>
+                <a:t>Operational</a:t>
+              </a:r>
+              <a:endParaRPr lang="fi-FI" b="1" dirty="0">
+                <a:solidFill>
+                  <a:schemeClr val="accent1">
+                    <a:lumMod val="75000"/>
+                  </a:schemeClr>
+                </a:solidFill>
+              </a:endParaRPr>
+            </a:p>
+          </p:txBody>
+        </p:sp>
+      </p:grpSp>
+      <p:grpSp>
+        <p:nvGrpSpPr>
+          <p:cNvPr id="33" name="Group 32">
+            <a:extLst>
+              <a:ext uri="{FF2B5EF4-FFF2-40B4-BE49-F238E27FC236}">
+                <a16:creationId xmlns:a16="http://schemas.microsoft.com/office/drawing/2014/main" id="{0C49BD4B-393C-4D68-A1E5-C6A9997358B7}"/>
+              </a:ext>
+            </a:extLst>
+          </p:cNvPr>
+          <p:cNvGrpSpPr/>
+          <p:nvPr/>
+        </p:nvGrpSpPr>
+        <p:grpSpPr>
+          <a:xfrm>
+            <a:off x="-353827" y="1404826"/>
+            <a:ext cx="7914552" cy="2722073"/>
+            <a:chOff x="-471769" y="730101"/>
+            <a:chExt cx="10552735" cy="3629431"/>
+          </a:xfrm>
+        </p:grpSpPr>
+        <p:grpSp>
+          <p:nvGrpSpPr>
+            <p:cNvPr id="34" name="Group 33">
+              <a:extLst>
+                <a:ext uri="{FF2B5EF4-FFF2-40B4-BE49-F238E27FC236}">
+                  <a16:creationId xmlns:a16="http://schemas.microsoft.com/office/drawing/2014/main" id="{93FE7A29-8402-429E-83EA-1BF64D20C84A}"/>
+                </a:ext>
+              </a:extLst>
+            </p:cNvPr>
+            <p:cNvGrpSpPr/>
+            <p:nvPr/>
+          </p:nvGrpSpPr>
+          <p:grpSpPr>
+            <a:xfrm>
+              <a:off x="-471769" y="730101"/>
+              <a:ext cx="10552735" cy="3629431"/>
+              <a:chOff x="-471769" y="730101"/>
+              <a:chExt cx="10552735" cy="3629431"/>
+            </a:xfrm>
+          </p:grpSpPr>
+          <p:sp>
+            <p:nvSpPr>
+              <p:cNvPr id="37" name="Oval 36">
+                <a:extLst>
+                  <a:ext uri="{FF2B5EF4-FFF2-40B4-BE49-F238E27FC236}">
+                    <a16:creationId xmlns:a16="http://schemas.microsoft.com/office/drawing/2014/main" id="{6A5C65CC-6DD7-4A2E-9AF3-309ED251354B}"/>
+                  </a:ext>
+                </a:extLst>
+              </p:cNvPr>
+              <p:cNvSpPr/>
+              <p:nvPr/>
+            </p:nvSpPr>
+            <p:spPr>
+              <a:xfrm>
+                <a:off x="7542280" y="730101"/>
+                <a:ext cx="2538686" cy="2420506"/>
+              </a:xfrm>
+              <a:prstGeom prst="ellipse">
+                <a:avLst/>
+              </a:prstGeom>
+              <a:noFill/>
+              <a:ln w="50800">
+                <a:solidFill>
+                  <a:srgbClr val="FF0000"/>
+                </a:solidFill>
+              </a:ln>
+            </p:spPr>
+            <p:style>
+              <a:lnRef idx="2">
+                <a:schemeClr val="accent1">
+                  <a:shade val="50000"/>
+                </a:schemeClr>
+              </a:lnRef>
+              <a:fillRef idx="1">
+                <a:schemeClr val="accent1"/>
+              </a:fillRef>
+              <a:effectRef idx="0">
+                <a:schemeClr val="accent1"/>
+              </a:effectRef>
+              <a:fontRef idx="minor">
+                <a:schemeClr val="lt1"/>
+              </a:fontRef>
+            </p:style>
+            <p:txBody>
+              <a:bodyPr rtlCol="0" anchor="ctr"/>
+              <a:lstStyle/>
+              <a:p>
+                <a:pPr algn="ctr"/>
+                <a:endParaRPr lang="fi-FI" sz="1350"/>
+              </a:p>
+            </p:txBody>
+          </p:sp>
+          <p:sp>
+            <p:nvSpPr>
+              <p:cNvPr id="36" name="Oval 35">
+                <a:extLst>
+                  <a:ext uri="{FF2B5EF4-FFF2-40B4-BE49-F238E27FC236}">
+                    <a16:creationId xmlns:a16="http://schemas.microsoft.com/office/drawing/2014/main" id="{DFADB1E4-8EE1-4221-8EF6-70E64203D8F6}"/>
+                  </a:ext>
+                </a:extLst>
+              </p:cNvPr>
+              <p:cNvSpPr/>
+              <p:nvPr/>
+            </p:nvSpPr>
+            <p:spPr>
+              <a:xfrm>
+                <a:off x="-471769" y="1939025"/>
+                <a:ext cx="2538686" cy="2420507"/>
+              </a:xfrm>
+              <a:prstGeom prst="ellipse">
+                <a:avLst/>
+              </a:prstGeom>
+              <a:noFill/>
+              <a:ln w="50800">
+                <a:solidFill>
+                  <a:srgbClr val="FF0000"/>
+                </a:solidFill>
+              </a:ln>
+            </p:spPr>
+            <p:style>
+              <a:lnRef idx="2">
+                <a:schemeClr val="accent1">
+                  <a:shade val="50000"/>
+                </a:schemeClr>
+              </a:lnRef>
+              <a:fillRef idx="1">
+                <a:schemeClr val="accent1"/>
+              </a:fillRef>
+              <a:effectRef idx="0">
+                <a:schemeClr val="accent1"/>
+              </a:effectRef>
+              <a:fontRef idx="minor">
+                <a:schemeClr val="lt1"/>
+              </a:fontRef>
+            </p:style>
+            <p:txBody>
+              <a:bodyPr rtlCol="0" anchor="ctr"/>
+              <a:lstStyle/>
+              <a:p>
+                <a:pPr algn="ctr"/>
+                <a:endParaRPr lang="fi-FI" sz="1350" dirty="0"/>
+              </a:p>
+            </p:txBody>
+          </p:sp>
+        </p:grpSp>
+        <p:sp>
+          <p:nvSpPr>
+            <p:cNvPr id="35" name="TextBox 34">
+              <a:extLst>
+                <a:ext uri="{FF2B5EF4-FFF2-40B4-BE49-F238E27FC236}">
+                  <a16:creationId xmlns:a16="http://schemas.microsoft.com/office/drawing/2014/main" id="{2455CA5B-7E45-484D-A69C-1AC5CA4BA34B}"/>
+                </a:ext>
+              </a:extLst>
+            </p:cNvPr>
+            <p:cNvSpPr txBox="1"/>
+            <p:nvPr/>
+          </p:nvSpPr>
+          <p:spPr>
+            <a:xfrm>
+              <a:off x="5795318" y="1099752"/>
+              <a:ext cx="1800921" cy="492443"/>
+            </a:xfrm>
+            <a:prstGeom prst="rect">
+              <a:avLst/>
+            </a:prstGeom>
+            <a:noFill/>
+          </p:spPr>
+          <p:txBody>
+            <a:bodyPr wrap="none" rtlCol="0">
+              <a:spAutoFit/>
+            </a:bodyPr>
+            <a:lstStyle/>
+            <a:p>
+              <a:r>
+                <a:rPr lang="fi-FI" b="1" dirty="0" err="1">
+                  <a:solidFill>
+                    <a:srgbClr val="FF0000"/>
+                  </a:solidFill>
+                </a:rPr>
+                <a:t>Institutional</a:t>
+              </a:r>
+              <a:endParaRPr lang="fi-FI" b="1" dirty="0">
+                <a:solidFill>
+                  <a:srgbClr val="FF0000"/>
+                </a:solidFill>
+              </a:endParaRPr>
+            </a:p>
+          </p:txBody>
+        </p:sp>
+      </p:grpSp>
+      <p:grpSp>
+        <p:nvGrpSpPr>
+          <p:cNvPr id="38" name="Group 37">
+            <a:extLst>
+              <a:ext uri="{FF2B5EF4-FFF2-40B4-BE49-F238E27FC236}">
+                <a16:creationId xmlns:a16="http://schemas.microsoft.com/office/drawing/2014/main" id="{4CB7A858-AA21-415E-B9DB-8F7A0F52CA85}"/>
+              </a:ext>
+            </a:extLst>
+          </p:cNvPr>
+          <p:cNvGrpSpPr/>
+          <p:nvPr/>
+        </p:nvGrpSpPr>
+        <p:grpSpPr>
+          <a:xfrm>
+            <a:off x="1843621" y="2411347"/>
+            <a:ext cx="7585056" cy="3447922"/>
+            <a:chOff x="2458162" y="2072129"/>
+            <a:chExt cx="10113407" cy="4597230"/>
+          </a:xfrm>
+        </p:grpSpPr>
+        <p:grpSp>
+          <p:nvGrpSpPr>
+            <p:cNvPr id="39" name="Group 38">
+              <a:extLst>
+                <a:ext uri="{FF2B5EF4-FFF2-40B4-BE49-F238E27FC236}">
+                  <a16:creationId xmlns:a16="http://schemas.microsoft.com/office/drawing/2014/main" id="{4A67A401-21ED-4242-9AFC-D770DA96333B}"/>
+                </a:ext>
+              </a:extLst>
+            </p:cNvPr>
+            <p:cNvGrpSpPr/>
+            <p:nvPr/>
+          </p:nvGrpSpPr>
+          <p:grpSpPr>
+            <a:xfrm>
+              <a:off x="3868917" y="2072129"/>
+              <a:ext cx="8702652" cy="4001295"/>
+              <a:chOff x="3868917" y="2072129"/>
+              <a:chExt cx="8702652" cy="4001295"/>
+            </a:xfrm>
+          </p:grpSpPr>
+          <p:sp>
+            <p:nvSpPr>
+              <p:cNvPr id="41" name="Oval 40">
+                <a:extLst>
+                  <a:ext uri="{FF2B5EF4-FFF2-40B4-BE49-F238E27FC236}">
+                    <a16:creationId xmlns:a16="http://schemas.microsoft.com/office/drawing/2014/main" id="{BD3ED3D2-4C27-4F45-8BEC-B845A03D3B1E}"/>
+                  </a:ext>
+                </a:extLst>
+              </p:cNvPr>
+              <p:cNvSpPr/>
+              <p:nvPr/>
+            </p:nvSpPr>
+            <p:spPr>
+              <a:xfrm>
+                <a:off x="3868917" y="2072129"/>
+                <a:ext cx="2538687" cy="4001295"/>
+              </a:xfrm>
+              <a:prstGeom prst="ellipse">
+                <a:avLst/>
+              </a:prstGeom>
+              <a:noFill/>
+              <a:ln w="50800">
+                <a:solidFill>
+                  <a:srgbClr val="FFC000"/>
+                </a:solidFill>
+              </a:ln>
+            </p:spPr>
+            <p:style>
+              <a:lnRef idx="2">
+                <a:schemeClr val="accent1">
+                  <a:shade val="50000"/>
+                </a:schemeClr>
+              </a:lnRef>
+              <a:fillRef idx="1">
+                <a:schemeClr val="accent1"/>
+              </a:fillRef>
+              <a:effectRef idx="0">
+                <a:schemeClr val="accent1"/>
+              </a:effectRef>
+              <a:fontRef idx="minor">
+                <a:schemeClr val="lt1"/>
+              </a:fontRef>
+            </p:style>
+            <p:txBody>
+              <a:bodyPr rtlCol="0" anchor="ctr"/>
+              <a:lstStyle/>
+              <a:p>
+                <a:pPr algn="ctr"/>
+                <a:endParaRPr lang="fi-FI" sz="1350"/>
+              </a:p>
+            </p:txBody>
+          </p:sp>
+          <p:sp>
+            <p:nvSpPr>
+              <p:cNvPr id="42" name="Oval 41">
+                <a:extLst>
+                  <a:ext uri="{FF2B5EF4-FFF2-40B4-BE49-F238E27FC236}">
+                    <a16:creationId xmlns:a16="http://schemas.microsoft.com/office/drawing/2014/main" id="{5E1B72B6-940F-452F-A9E0-65EE11700DDE}"/>
+                  </a:ext>
+                </a:extLst>
+              </p:cNvPr>
+              <p:cNvSpPr/>
+              <p:nvPr/>
+            </p:nvSpPr>
+            <p:spPr>
+              <a:xfrm>
+                <a:off x="9251066" y="2133662"/>
+                <a:ext cx="3320503" cy="1955007"/>
+              </a:xfrm>
+              <a:prstGeom prst="ellipse">
+                <a:avLst/>
+              </a:prstGeom>
+              <a:noFill/>
+              <a:ln w="50800">
+                <a:solidFill>
+                  <a:srgbClr val="FFC000"/>
+                </a:solidFill>
+              </a:ln>
+            </p:spPr>
+            <p:style>
+              <a:lnRef idx="2">
+                <a:schemeClr val="accent1">
+                  <a:shade val="50000"/>
+                </a:schemeClr>
+              </a:lnRef>
+              <a:fillRef idx="1">
+                <a:schemeClr val="accent1"/>
+              </a:fillRef>
+              <a:effectRef idx="0">
+                <a:schemeClr val="accent1"/>
+              </a:effectRef>
+              <a:fontRef idx="minor">
+                <a:schemeClr val="lt1"/>
+              </a:fontRef>
+            </p:style>
+            <p:txBody>
+              <a:bodyPr rtlCol="0" anchor="ctr"/>
+              <a:lstStyle/>
+              <a:p>
+                <a:pPr algn="ctr"/>
+                <a:endParaRPr lang="fi-FI" sz="1350"/>
+              </a:p>
+            </p:txBody>
+          </p:sp>
+        </p:grpSp>
+        <p:sp>
+          <p:nvSpPr>
+            <p:cNvPr id="40" name="TextBox 39">
+              <a:extLst>
+                <a:ext uri="{FF2B5EF4-FFF2-40B4-BE49-F238E27FC236}">
+                  <a16:creationId xmlns:a16="http://schemas.microsoft.com/office/drawing/2014/main" id="{A850B826-0BF3-41BD-A184-74B8736976D3}"/>
+                </a:ext>
+              </a:extLst>
+            </p:cNvPr>
+            <p:cNvSpPr txBox="1"/>
+            <p:nvPr/>
+          </p:nvSpPr>
+          <p:spPr>
+            <a:xfrm>
+              <a:off x="2458162" y="6176916"/>
+              <a:ext cx="1552036" cy="492443"/>
+            </a:xfrm>
+            <a:prstGeom prst="rect">
+              <a:avLst/>
+            </a:prstGeom>
+            <a:noFill/>
+          </p:spPr>
+          <p:txBody>
+            <a:bodyPr wrap="square" rtlCol="0">
+              <a:spAutoFit/>
+            </a:bodyPr>
+            <a:lstStyle/>
+            <a:p>
+              <a:r>
+                <a:rPr lang="fi-FI" b="1" dirty="0" err="1">
+                  <a:solidFill>
+                    <a:srgbClr val="FFC000"/>
+                  </a:solidFill>
+                </a:rPr>
+                <a:t>Advisory</a:t>
+              </a:r>
+              <a:endParaRPr lang="fi-FI" b="1" dirty="0">
+                <a:solidFill>
+                  <a:srgbClr val="FFC000"/>
+                </a:solidFill>
+              </a:endParaRPr>
+            </a:p>
+          </p:txBody>
+        </p:sp>
+      </p:grpSp>
+    </p:spTree>
+    <p:extLst>
+      <p:ext uri="{BB962C8B-B14F-4D97-AF65-F5344CB8AC3E}">
+        <p14:creationId xmlns:p14="http://schemas.microsoft.com/office/powerpoint/2010/main" val="3219116432"/>
+      </p:ext>
+    </p:extLst>
+  </p:cSld>
+  <p:clrMapOvr>
+    <a:masterClrMapping/>
+  </p:clrMapOvr>
+  <p:timing>
+    <p:tnLst>
+      <p:par>
+        <p:cTn id="1" dur="indefinite" restart="never" nodeType="tmRoot">
+          <p:childTnLst>
+            <p:seq concurrent="1" nextAc="seek">
+              <p:cTn id="2" dur="indefinite" nodeType="mainSeq">
+                <p:childTnLst>
+                  <p:par>
+                    <p:cTn id="3" fill="hold">
+                      <p:stCondLst>
+                        <p:cond delay="indefinite"/>
+                      </p:stCondLst>
+                      <p:childTnLst>
+                        <p:par>
+                          <p:cTn id="4" fill="hold">
+                            <p:stCondLst>
+                              <p:cond delay="0"/>
+                            </p:stCondLst>
+                            <p:childTnLst>
+                              <p:par>
+                                <p:cTn id="5" presetID="1" presetClass="entr" presetSubtype="0" fill="hold" nodeType="clickEffect">
+                                  <p:stCondLst>
+                                    <p:cond delay="0"/>
+                                  </p:stCondLst>
+                                  <p:childTnLst>
+                                    <p:set>
+                                      <p:cBhvr>
+                                        <p:cTn id="6" dur="1" fill="hold">
+                                          <p:stCondLst>
+                                            <p:cond delay="0"/>
+                                          </p:stCondLst>
+                                        </p:cTn>
+                                        <p:tgtEl>
+                                          <p:spTgt spid="28"/>
+                                        </p:tgtEl>
+                                        <p:attrNameLst>
+                                          <p:attrName>style.visibility</p:attrName>
+                                        </p:attrNameLst>
+                                      </p:cBhvr>
+                                      <p:to>
+                                        <p:strVal val="visible"/>
+                                      </p:to>
+                                    </p:set>
+                                  </p:childTnLst>
+                                </p:cTn>
+                              </p:par>
+                            </p:childTnLst>
+                          </p:cTn>
+                        </p:par>
+                      </p:childTnLst>
+                    </p:cTn>
+                  </p:par>
+                  <p:par>
+                    <p:cTn id="7" fill="hold">
+                      <p:stCondLst>
+                        <p:cond delay="indefinite"/>
+                      </p:stCondLst>
+                      <p:childTnLst>
+                        <p:par>
+                          <p:cTn id="8" fill="hold">
+                            <p:stCondLst>
+                              <p:cond delay="0"/>
+                            </p:stCondLst>
+                            <p:childTnLst>
+                              <p:par>
+                                <p:cTn id="9" presetID="1" presetClass="entr" presetSubtype="0" fill="hold" nodeType="clickEffect">
+                                  <p:stCondLst>
+                                    <p:cond delay="0"/>
+                                  </p:stCondLst>
+                                  <p:childTnLst>
+                                    <p:set>
+                                      <p:cBhvr>
+                                        <p:cTn id="10" dur="1" fill="hold">
+                                          <p:stCondLst>
+                                            <p:cond delay="0"/>
+                                          </p:stCondLst>
+                                        </p:cTn>
+                                        <p:tgtEl>
+                                          <p:spTgt spid="33"/>
+                                        </p:tgtEl>
+                                        <p:attrNameLst>
+                                          <p:attrName>style.visibility</p:attrName>
+                                        </p:attrNameLst>
+                                      </p:cBhvr>
+                                      <p:to>
+                                        <p:strVal val="visible"/>
+                                      </p:to>
+                                    </p:set>
+                                  </p:childTnLst>
+                                </p:cTn>
+                              </p:par>
+                            </p:childTnLst>
+                          </p:cTn>
+                        </p:par>
+                      </p:childTnLst>
+                    </p:cTn>
+                  </p:par>
+                  <p:par>
+                    <p:cTn id="11" fill="hold">
+                      <p:stCondLst>
+                        <p:cond delay="indefinite"/>
+                      </p:stCondLst>
+                      <p:childTnLst>
+                        <p:par>
+                          <p:cTn id="12" fill="hold">
+                            <p:stCondLst>
+                              <p:cond delay="0"/>
+                            </p:stCondLst>
+                            <p:childTnLst>
+                              <p:par>
+                                <p:cTn id="13" presetID="1" presetClass="entr" presetSubtype="0" fill="hold" nodeType="clickEffect">
+                                  <p:stCondLst>
+                                    <p:cond delay="0"/>
+                                  </p:stCondLst>
+                                  <p:childTnLst>
+                                    <p:set>
+                                      <p:cBhvr>
+                                        <p:cTn id="14" dur="1" fill="hold">
+                                          <p:stCondLst>
+                                            <p:cond delay="0"/>
+                                          </p:stCondLst>
+                                        </p:cTn>
+                                        <p:tgtEl>
+                                          <p:spTgt spid="38"/>
+                                        </p:tgtEl>
+                                        <p:attrNameLst>
+                                          <p:attrName>style.visibility</p:attrName>
+                                        </p:attrNameLst>
+                                      </p:cBhvr>
+                                      <p:to>
+                                        <p:strVal val="visible"/>
+                                      </p:to>
+                                    </p:set>
+                                  </p:childTnLst>
+                                </p:cTn>
+                              </p:par>
+                            </p:childTnLst>
+                          </p:cTn>
+                        </p:par>
+                      </p:childTnLst>
+                    </p:cTn>
+                  </p:par>
+                </p:childTnLst>
+              </p:cTn>
+              <p:prevCondLst>
+                <p:cond evt="onPrev" delay="0">
+                  <p:tgtEl>
+                    <p:sldTgt/>
+                  </p:tgtEl>
+                </p:cond>
+              </p:prevCondLst>
+              <p:nextCondLst>
+                <p:cond evt="onNext" delay="0">
+                  <p:tgtEl>
+                    <p:sldTgt/>
+                  </p:tgtEl>
+                </p:cond>
+              </p:nextCondLst>
+            </p:seq>
+          </p:childTnLst>
+        </p:cTn>
+      </p:par>
+    </p:tnLst>
+  </p:timing>
 </p:sld>
 </file>
 
@@ -19466,10 +20571,10 @@
       </p:sp>
       <p:pic>
         <p:nvPicPr>
-          <p:cNvPr id="6" name="Picture 5">
+          <p:cNvPr id="9" name="Picture 8">
             <a:extLst>
               <a:ext uri="{FF2B5EF4-FFF2-40B4-BE49-F238E27FC236}">
-                <a16:creationId xmlns:a16="http://schemas.microsoft.com/office/drawing/2014/main" id="{615622E2-32AE-40F7-829D-FD5ED966E81E}"/>
+                <a16:creationId xmlns:a16="http://schemas.microsoft.com/office/drawing/2014/main" id="{5EF89F5F-0726-424D-AAD4-BC28CD6C345D}"/>
               </a:ext>
             </a:extLst>
           </p:cNvPr>
@@ -19485,9 +20590,9 @@
           </a:stretch>
         </p:blipFill>
         <p:spPr>
-          <a:xfrm>
-            <a:off x="823963" y="4499067"/>
-            <a:ext cx="1577854" cy="1406635"/>
+          <a:xfrm rot="5400000">
+            <a:off x="3189223" y="3018869"/>
+            <a:ext cx="3269898" cy="1369154"/>
           </a:xfrm>
           <a:prstGeom prst="rect">
             <a:avLst/>
@@ -19496,10 +20601,10 @@
       </p:pic>
       <p:pic>
         <p:nvPicPr>
-          <p:cNvPr id="9" name="Picture 8">
+          <p:cNvPr id="3" name="Picture 2">
             <a:extLst>
               <a:ext uri="{FF2B5EF4-FFF2-40B4-BE49-F238E27FC236}">
-                <a16:creationId xmlns:a16="http://schemas.microsoft.com/office/drawing/2014/main" id="{5EF89F5F-0726-424D-AAD4-BC28CD6C345D}"/>
+                <a16:creationId xmlns:a16="http://schemas.microsoft.com/office/drawing/2014/main" id="{11BE974B-59EB-4671-8A8E-898D01E10BD2}"/>
               </a:ext>
             </a:extLst>
           </p:cNvPr>
@@ -19515,9 +20620,9 @@
           </a:stretch>
         </p:blipFill>
         <p:spPr>
-          <a:xfrm rot="5400000">
-            <a:off x="3189223" y="3018869"/>
-            <a:ext cx="3269898" cy="1369154"/>
+          <a:xfrm>
+            <a:off x="769382" y="4474647"/>
+            <a:ext cx="1687015" cy="1439621"/>
           </a:xfrm>
           <a:prstGeom prst="rect">
             <a:avLst/>
@@ -19526,10 +20631,10 @@
       </p:pic>
       <p:pic>
         <p:nvPicPr>
-          <p:cNvPr id="10" name="Picture 9">
+          <p:cNvPr id="5" name="Picture 4">
             <a:extLst>
               <a:ext uri="{FF2B5EF4-FFF2-40B4-BE49-F238E27FC236}">
-                <a16:creationId xmlns:a16="http://schemas.microsoft.com/office/drawing/2014/main" id="{A2C34A10-5EC5-4C24-93DF-3EFE31B95F30}"/>
+                <a16:creationId xmlns:a16="http://schemas.microsoft.com/office/drawing/2014/main" id="{3B526556-6AD6-4681-A66D-361BB4E5B6A5}"/>
               </a:ext>
             </a:extLst>
           </p:cNvPr>
@@ -19546,8 +20651,8 @@
         </p:blipFill>
         <p:spPr>
           <a:xfrm>
-            <a:off x="6618197" y="2426287"/>
-            <a:ext cx="2415369" cy="2364823"/>
+            <a:off x="6516733" y="2480202"/>
+            <a:ext cx="2523735" cy="2569140"/>
           </a:xfrm>
           <a:prstGeom prst="rect">
             <a:avLst/>
